--- a/OlympicWomen2.pptx
+++ b/OlympicWomen2.pptx
@@ -6,9 +6,13 @@
   </p:sldMasterIdLst>
   <p:sldIdLst>
     <p:sldId id="256" r:id="rId2"/>
-    <p:sldId id="258" r:id="rId3"/>
-    <p:sldId id="257" r:id="rId4"/>
-    <p:sldId id="259" r:id="rId5"/>
+    <p:sldId id="262" r:id="rId3"/>
+    <p:sldId id="263" r:id="rId4"/>
+    <p:sldId id="260" r:id="rId5"/>
+    <p:sldId id="258" r:id="rId6"/>
+    <p:sldId id="257" r:id="rId7"/>
+    <p:sldId id="259" r:id="rId8"/>
+    <p:sldId id="261" r:id="rId9"/>
   </p:sldIdLst>
   <p:sldSz cx="12192000" cy="6858000"/>
   <p:notesSz cx="6858000" cy="9144000"/>
@@ -262,7 +266,7 @@
           <a:p>
             <a:fld id="{AD6B9F76-4087-6A4B-A6F1-1CD205D54AFE}" type="datetimeFigureOut">
               <a:rPr lang="en-US" smtClean="0"/>
-              <a:t>8/11/21</a:t>
+              <a:t>8/14/21</a:t>
             </a:fld>
             <a:endParaRPr lang="en-US"/>
           </a:p>
@@ -460,7 +464,7 @@
           <a:p>
             <a:fld id="{AD6B9F76-4087-6A4B-A6F1-1CD205D54AFE}" type="datetimeFigureOut">
               <a:rPr lang="en-US" smtClean="0"/>
-              <a:t>8/11/21</a:t>
+              <a:t>8/14/21</a:t>
             </a:fld>
             <a:endParaRPr lang="en-US"/>
           </a:p>
@@ -668,7 +672,7 @@
           <a:p>
             <a:fld id="{AD6B9F76-4087-6A4B-A6F1-1CD205D54AFE}" type="datetimeFigureOut">
               <a:rPr lang="en-US" smtClean="0"/>
-              <a:t>8/11/21</a:t>
+              <a:t>8/14/21</a:t>
             </a:fld>
             <a:endParaRPr lang="en-US"/>
           </a:p>
@@ -866,7 +870,7 @@
           <a:p>
             <a:fld id="{AD6B9F76-4087-6A4B-A6F1-1CD205D54AFE}" type="datetimeFigureOut">
               <a:rPr lang="en-US" smtClean="0"/>
-              <a:t>8/11/21</a:t>
+              <a:t>8/14/21</a:t>
             </a:fld>
             <a:endParaRPr lang="en-US"/>
           </a:p>
@@ -1141,7 +1145,7 @@
           <a:p>
             <a:fld id="{AD6B9F76-4087-6A4B-A6F1-1CD205D54AFE}" type="datetimeFigureOut">
               <a:rPr lang="en-US" smtClean="0"/>
-              <a:t>8/11/21</a:t>
+              <a:t>8/14/21</a:t>
             </a:fld>
             <a:endParaRPr lang="en-US"/>
           </a:p>
@@ -1406,7 +1410,7 @@
           <a:p>
             <a:fld id="{AD6B9F76-4087-6A4B-A6F1-1CD205D54AFE}" type="datetimeFigureOut">
               <a:rPr lang="en-US" smtClean="0"/>
-              <a:t>8/11/21</a:t>
+              <a:t>8/14/21</a:t>
             </a:fld>
             <a:endParaRPr lang="en-US"/>
           </a:p>
@@ -1818,7 +1822,7 @@
           <a:p>
             <a:fld id="{AD6B9F76-4087-6A4B-A6F1-1CD205D54AFE}" type="datetimeFigureOut">
               <a:rPr lang="en-US" smtClean="0"/>
-              <a:t>8/11/21</a:t>
+              <a:t>8/14/21</a:t>
             </a:fld>
             <a:endParaRPr lang="en-US"/>
           </a:p>
@@ -1959,7 +1963,7 @@
           <a:p>
             <a:fld id="{AD6B9F76-4087-6A4B-A6F1-1CD205D54AFE}" type="datetimeFigureOut">
               <a:rPr lang="en-US" smtClean="0"/>
-              <a:t>8/11/21</a:t>
+              <a:t>8/14/21</a:t>
             </a:fld>
             <a:endParaRPr lang="en-US"/>
           </a:p>
@@ -2072,7 +2076,7 @@
           <a:p>
             <a:fld id="{AD6B9F76-4087-6A4B-A6F1-1CD205D54AFE}" type="datetimeFigureOut">
               <a:rPr lang="en-US" smtClean="0"/>
-              <a:t>8/11/21</a:t>
+              <a:t>8/14/21</a:t>
             </a:fld>
             <a:endParaRPr lang="en-US"/>
           </a:p>
@@ -2383,7 +2387,7 @@
           <a:p>
             <a:fld id="{AD6B9F76-4087-6A4B-A6F1-1CD205D54AFE}" type="datetimeFigureOut">
               <a:rPr lang="en-US" smtClean="0"/>
-              <a:t>8/11/21</a:t>
+              <a:t>8/14/21</a:t>
             </a:fld>
             <a:endParaRPr lang="en-US"/>
           </a:p>
@@ -2674,7 +2678,7 @@
           <a:p>
             <a:fld id="{AD6B9F76-4087-6A4B-A6F1-1CD205D54AFE}" type="datetimeFigureOut">
               <a:rPr lang="en-US" smtClean="0"/>
-              <a:t>8/11/21</a:t>
+              <a:t>8/14/21</a:t>
             </a:fld>
             <a:endParaRPr lang="en-US"/>
           </a:p>
@@ -2915,7 +2919,7 @@
           <a:p>
             <a:fld id="{AD6B9F76-4087-6A4B-A6F1-1CD205D54AFE}" type="datetimeFigureOut">
               <a:rPr lang="en-US" smtClean="0"/>
-              <a:t>8/11/21</a:t>
+              <a:t>8/14/21</a:t>
             </a:fld>
             <a:endParaRPr lang="en-US"/>
           </a:p>
@@ -3500,8 +3504,8 @@
         </p:nvSpPr>
         <p:spPr>
           <a:xfrm>
-            <a:off x="1439020" y="1224483"/>
-            <a:ext cx="3898936" cy="2481729"/>
+            <a:off x="1439019" y="1224483"/>
+            <a:ext cx="4204543" cy="2481729"/>
           </a:xfrm>
         </p:spPr>
         <p:txBody>
@@ -3518,24 +3522,7 @@
                 </a:solidFill>
                 <a:latin typeface="Abril Fatface" panose="02000503000000020003" pitchFamily="2" charset="77"/>
               </a:rPr>
-              <a:t>Women &amp; the</a:t>
-            </a:r>
-            <a:br>
-              <a:rPr lang="en-US" sz="4000" dirty="0">
-                <a:solidFill>
-                  <a:srgbClr val="595959"/>
-                </a:solidFill>
-                <a:latin typeface="Abril Fatface" panose="02000503000000020003" pitchFamily="2" charset="77"/>
-              </a:rPr>
-            </a:br>
-            <a:r>
-              <a:rPr lang="en-US" sz="4000" dirty="0">
-                <a:solidFill>
-                  <a:srgbClr val="595959"/>
-                </a:solidFill>
-                <a:latin typeface="Abril Fatface" panose="02000503000000020003" pitchFamily="2" charset="77"/>
-              </a:rPr>
-              <a:t>Olympic Games</a:t>
+              <a:t>Women &amp; the Olympic Games</a:t>
             </a:r>
           </a:p>
         </p:txBody>
@@ -3832,10 +3819,10 @@
       </p:grpSpPr>
       <p:sp useBgFill="1">
         <p:nvSpPr>
-          <p:cNvPr id="8" name="Rectangle 7">
-            <a:extLst>
-              <a:ext uri="{FF2B5EF4-FFF2-40B4-BE49-F238E27FC236}">
-                <a16:creationId xmlns:a16="http://schemas.microsoft.com/office/drawing/2014/main" id="{CB299CAB-C506-454B-90FC-4065728297D3}"/>
+          <p:cNvPr id="32" name="Rectangle 31">
+            <a:extLst>
+              <a:ext uri="{FF2B5EF4-FFF2-40B4-BE49-F238E27FC236}">
+                <a16:creationId xmlns:a16="http://schemas.microsoft.com/office/drawing/2014/main" id="{78532AE1-3E02-470C-B898-A0C62F2E99AB}"/>
               </a:ext>
               <a:ext uri="{C183D7F6-B498-43B3-948B-1728B52AA6E4}">
                 <adec:decorative xmlns:adec="http://schemas.microsoft.com/office/drawing/2017/decorative" val="1"/>
@@ -3908,10 +3895,10 @@
       </p:sp>
       <p:sp>
         <p:nvSpPr>
-          <p:cNvPr id="10" name="Rectangle 9">
-            <a:extLst>
-              <a:ext uri="{FF2B5EF4-FFF2-40B4-BE49-F238E27FC236}">
-                <a16:creationId xmlns:a16="http://schemas.microsoft.com/office/drawing/2014/main" id="{C8D99311-F254-40F1-8AB5-EE3E7B9B6872}"/>
+          <p:cNvPr id="34" name="Rectangle 33">
+            <a:extLst>
+              <a:ext uri="{FF2B5EF4-FFF2-40B4-BE49-F238E27FC236}">
+                <a16:creationId xmlns:a16="http://schemas.microsoft.com/office/drawing/2014/main" id="{E7401DF7-4687-415B-A91D-DB43BEEBDFE5}"/>
               </a:ext>
               <a:ext uri="{C183D7F6-B498-43B3-948B-1728B52AA6E4}">
                 <adec:decorative xmlns:adec="http://schemas.microsoft.com/office/drawing/2017/decorative" val="1"/>
@@ -3931,8 +3918,8 @@
         </p:nvSpPr>
         <p:spPr>
           <a:xfrm>
-            <a:off x="685800" y="685800"/>
-            <a:ext cx="10820400" cy="1758576"/>
+            <a:off x="0" y="0"/>
+            <a:ext cx="7464612" cy="6858000"/>
           </a:xfrm>
           <a:prstGeom prst="rect">
             <a:avLst/>
@@ -3974,51 +3961,10 @@
       </p:sp>
       <p:sp>
         <p:nvSpPr>
-          <p:cNvPr id="2" name="Title 1">
-            <a:extLst>
-              <a:ext uri="{FF2B5EF4-FFF2-40B4-BE49-F238E27FC236}">
-                <a16:creationId xmlns:a16="http://schemas.microsoft.com/office/drawing/2014/main" id="{5B11EE7F-7B6C-074C-BBBC-068E18939352}"/>
-              </a:ext>
-            </a:extLst>
-          </p:cNvPr>
-          <p:cNvSpPr>
-            <a:spLocks noGrp="1"/>
-          </p:cNvSpPr>
-          <p:nvPr>
-            <p:ph type="title"/>
-          </p:nvPr>
-        </p:nvSpPr>
-        <p:spPr>
-          <a:xfrm>
-            <a:off x="4842941" y="1103190"/>
-            <a:ext cx="8959893" cy="1004836"/>
-          </a:xfrm>
-        </p:spPr>
-        <p:txBody>
-          <a:bodyPr anchor="ctr">
-            <a:normAutofit/>
-          </a:bodyPr>
-          <a:lstStyle/>
-          <a:p>
-            <a:pPr algn="ctr"/>
-            <a:r>
-              <a:rPr lang="en-US" sz="3600" dirty="0">
-                <a:solidFill>
-                  <a:srgbClr val="595959"/>
-                </a:solidFill>
-                <a:latin typeface="Abril Fatface" panose="02000503000000020003" pitchFamily="2" charset="77"/>
-              </a:rPr>
-              <a:t>Women vs. Men</a:t>
-            </a:r>
-          </a:p>
-        </p:txBody>
-      </p:sp>
-      <p:sp>
-        <p:nvSpPr>
-          <p:cNvPr id="12" name="Rectangle 11">
-            <a:extLst>
-              <a:ext uri="{FF2B5EF4-FFF2-40B4-BE49-F238E27FC236}">
-                <a16:creationId xmlns:a16="http://schemas.microsoft.com/office/drawing/2014/main" id="{7D89E3CB-00ED-4691-9F0F-F23EA3564705}"/>
+          <p:cNvPr id="36" name="Rectangle 35">
+            <a:extLst>
+              <a:ext uri="{FF2B5EF4-FFF2-40B4-BE49-F238E27FC236}">
+                <a16:creationId xmlns:a16="http://schemas.microsoft.com/office/drawing/2014/main" id="{8EFC09D2-72D2-4174-A2DF-1017D0FEBD3D}"/>
               </a:ext>
               <a:ext uri="{C183D7F6-B498-43B3-948B-1728B52AA6E4}">
                 <adec:decorative xmlns:adec="http://schemas.microsoft.com/office/drawing/2017/decorative" val="1"/>
@@ -4038,20 +3984,16 @@
         </p:nvSpPr>
         <p:spPr>
           <a:xfrm>
-            <a:off x="682016" y="2444376"/>
-            <a:ext cx="10824184" cy="3727824"/>
+            <a:off x="720912" y="685800"/>
+            <a:ext cx="6048935" cy="5486400"/>
           </a:xfrm>
           <a:prstGeom prst="rect">
             <a:avLst/>
           </a:prstGeom>
           <a:solidFill>
-            <a:schemeClr val="accent2">
-              <a:lumMod val="20000"/>
-              <a:lumOff val="80000"/>
-              <a:alpha val="55000"/>
-            </a:schemeClr>
+            <a:schemeClr val="bg1"/>
           </a:solidFill>
-          <a:ln>
+          <a:ln w="127000">
             <a:noFill/>
           </a:ln>
         </p:spPr>
@@ -4080,12 +4022,193 @@
           </a:p>
         </p:txBody>
       </p:sp>
+      <p:sp>
+        <p:nvSpPr>
+          <p:cNvPr id="2" name="Title 1">
+            <a:extLst>
+              <a:ext uri="{FF2B5EF4-FFF2-40B4-BE49-F238E27FC236}">
+                <a16:creationId xmlns:a16="http://schemas.microsoft.com/office/drawing/2014/main" id="{C6916DB3-0CEE-D34C-9C26-C3466F0D0698}"/>
+              </a:ext>
+            </a:extLst>
+          </p:cNvPr>
+          <p:cNvSpPr>
+            <a:spLocks noGrp="1"/>
+          </p:cNvSpPr>
+          <p:nvPr>
+            <p:ph type="title"/>
+          </p:nvPr>
+        </p:nvSpPr>
+        <p:spPr>
+          <a:xfrm>
+            <a:off x="1368612" y="1095152"/>
+            <a:ext cx="4773616" cy="1065313"/>
+          </a:xfrm>
+        </p:spPr>
+        <p:txBody>
+          <a:bodyPr anchor="b">
+            <a:normAutofit/>
+          </a:bodyPr>
+          <a:lstStyle/>
+          <a:p>
+            <a:pPr algn="ctr"/>
+            <a:r>
+              <a:rPr lang="en-US" sz="3600" dirty="0">
+                <a:solidFill>
+                  <a:schemeClr val="tx1">
+                    <a:lumMod val="65000"/>
+                    <a:lumOff val="35000"/>
+                  </a:schemeClr>
+                </a:solidFill>
+                <a:latin typeface="Abril Fatface" panose="02000503000000020003" pitchFamily="2" charset="77"/>
+              </a:rPr>
+              <a:t>Agenda</a:t>
+            </a:r>
+          </a:p>
+        </p:txBody>
+      </p:sp>
+      <p:sp>
+        <p:nvSpPr>
+          <p:cNvPr id="3" name="Content Placeholder 2">
+            <a:extLst>
+              <a:ext uri="{FF2B5EF4-FFF2-40B4-BE49-F238E27FC236}">
+                <a16:creationId xmlns:a16="http://schemas.microsoft.com/office/drawing/2014/main" id="{0CCCDACE-A112-D341-AA0E-A271FB7E8CAE}"/>
+              </a:ext>
+            </a:extLst>
+          </p:cNvPr>
+          <p:cNvSpPr>
+            <a:spLocks noGrp="1"/>
+          </p:cNvSpPr>
+          <p:nvPr>
+            <p:ph idx="1"/>
+          </p:nvPr>
+        </p:nvSpPr>
+        <p:spPr>
+          <a:xfrm>
+            <a:off x="1368613" y="2447337"/>
+            <a:ext cx="4773616" cy="3171970"/>
+          </a:xfrm>
+        </p:spPr>
+        <p:txBody>
+          <a:bodyPr anchor="t">
+            <a:normAutofit/>
+          </a:bodyPr>
+          <a:lstStyle/>
+          <a:p>
+            <a:pPr marL="0" indent="0">
+              <a:buNone/>
+            </a:pPr>
+            <a:r>
+              <a:rPr lang="en-US" sz="2400" b="1" dirty="0">
+                <a:solidFill>
+                  <a:schemeClr val="tx1">
+                    <a:lumMod val="65000"/>
+                    <a:lumOff val="35000"/>
+                  </a:schemeClr>
+                </a:solidFill>
+                <a:latin typeface="Source Sans Pro" panose="020B0503030403020204" pitchFamily="34" charset="0"/>
+                <a:ea typeface="Source Sans Pro" panose="020B0503030403020204" pitchFamily="34" charset="0"/>
+              </a:rPr>
+              <a:t>Presentation Outline:</a:t>
+            </a:r>
+          </a:p>
+          <a:p>
+            <a:pPr marL="0" indent="0">
+              <a:buNone/>
+            </a:pPr>
+            <a:r>
+              <a:rPr lang="en-US" sz="2000" dirty="0">
+                <a:solidFill>
+                  <a:schemeClr val="tx1">
+                    <a:lumMod val="65000"/>
+                    <a:lumOff val="35000"/>
+                  </a:schemeClr>
+                </a:solidFill>
+                <a:latin typeface="Source Sans Pro" panose="020B0503030403020204" pitchFamily="34" charset="0"/>
+                <a:ea typeface="Source Sans Pro" panose="020B0503030403020204" pitchFamily="34" charset="0"/>
+              </a:rPr>
+              <a:t>Team</a:t>
+            </a:r>
+          </a:p>
+          <a:p>
+            <a:pPr marL="0" indent="0">
+              <a:buNone/>
+            </a:pPr>
+            <a:r>
+              <a:rPr lang="en-US" sz="2000" dirty="0">
+                <a:solidFill>
+                  <a:schemeClr val="tx1">
+                    <a:lumMod val="65000"/>
+                    <a:lumOff val="35000"/>
+                  </a:schemeClr>
+                </a:solidFill>
+                <a:latin typeface="Source Sans Pro" panose="020B0503030403020204" pitchFamily="34" charset="0"/>
+                <a:ea typeface="Source Sans Pro" panose="020B0503030403020204" pitchFamily="34" charset="0"/>
+              </a:rPr>
+              <a:t>Overview</a:t>
+            </a:r>
+          </a:p>
+          <a:p>
+            <a:pPr marL="0" indent="0">
+              <a:buNone/>
+            </a:pPr>
+            <a:r>
+              <a:rPr lang="en-US" sz="2000" dirty="0">
+                <a:solidFill>
+                  <a:schemeClr val="tx1">
+                    <a:lumMod val="65000"/>
+                    <a:lumOff val="35000"/>
+                  </a:schemeClr>
+                </a:solidFill>
+                <a:latin typeface="Source Sans Pro" panose="020B0503030403020204" pitchFamily="34" charset="0"/>
+                <a:ea typeface="Source Sans Pro" panose="020B0503030403020204" pitchFamily="34" charset="0"/>
+              </a:rPr>
+              <a:t>Data</a:t>
+            </a:r>
+          </a:p>
+          <a:p>
+            <a:pPr marL="0" indent="0">
+              <a:buNone/>
+            </a:pPr>
+            <a:r>
+              <a:rPr lang="en-US" sz="2000" dirty="0">
+                <a:solidFill>
+                  <a:schemeClr val="tx1">
+                    <a:lumMod val="65000"/>
+                    <a:lumOff val="35000"/>
+                  </a:schemeClr>
+                </a:solidFill>
+                <a:latin typeface="Source Sans Pro" panose="020B0503030403020204" pitchFamily="34" charset="0"/>
+                <a:ea typeface="Source Sans Pro" panose="020B0503030403020204" pitchFamily="34" charset="0"/>
+              </a:rPr>
+              <a:t>Exploration</a:t>
+            </a:r>
+          </a:p>
+          <a:p>
+            <a:pPr marL="0" indent="0">
+              <a:buNone/>
+            </a:pPr>
+            <a:r>
+              <a:rPr lang="en-US" sz="2000" dirty="0">
+                <a:solidFill>
+                  <a:schemeClr val="tx1">
+                    <a:lumMod val="65000"/>
+                    <a:lumOff val="35000"/>
+                  </a:schemeClr>
+                </a:solidFill>
+                <a:latin typeface="Source Sans Pro" panose="020B0503030403020204" pitchFamily="34" charset="0"/>
+                <a:ea typeface="Source Sans Pro" panose="020B0503030403020204" pitchFamily="34" charset="0"/>
+              </a:rPr>
+              <a:t>Analysis</a:t>
+            </a:r>
+          </a:p>
+        </p:txBody>
+      </p:sp>
       <p:pic>
         <p:nvPicPr>
-          <p:cNvPr id="7" name="Picture 6" descr="A group of people&#10;&#10;Description automatically generated with low confidence">
-            <a:extLst>
-              <a:ext uri="{FF2B5EF4-FFF2-40B4-BE49-F238E27FC236}">
-                <a16:creationId xmlns:a16="http://schemas.microsoft.com/office/drawing/2014/main" id="{64C995C7-479C-8D48-94C4-59ED131479D2}"/>
+          <p:cNvPr id="7" name="Graphic 6" descr="Check List">
+            <a:extLst>
+              <a:ext uri="{FF2B5EF4-FFF2-40B4-BE49-F238E27FC236}">
+                <a16:creationId xmlns:a16="http://schemas.microsoft.com/office/drawing/2014/main" id="{073A176C-67BD-4F5D-BA6B-E616A96A54B6}"/>
               </a:ext>
             </a:extLst>
           </p:cNvPr>
@@ -4095,96 +4218,34 @@
           <p:nvPr/>
         </p:nvPicPr>
         <p:blipFill>
-          <a:blip r:embed="rId2"/>
+          <a:blip r:embed="rId2">
+            <a:extLst>
+              <a:ext uri="{28A0092B-C50C-407E-A947-70E740481C1C}">
+                <a14:useLocalDpi xmlns:a14="http://schemas.microsoft.com/office/drawing/2010/main" val="0"/>
+              </a:ext>
+              <a:ext uri="{96DAC541-7B7A-43D3-8B79-37D633B846F1}">
+                <asvg:svgBlip xmlns:asvg="http://schemas.microsoft.com/office/drawing/2016/SVG/main" r:embed="rId3"/>
+              </a:ext>
+            </a:extLst>
+          </a:blip>
           <a:stretch>
             <a:fillRect/>
           </a:stretch>
         </p:blipFill>
         <p:spPr>
           <a:xfrm>
-            <a:off x="947736" y="999293"/>
-            <a:ext cx="6024564" cy="2353345"/>
+            <a:off x="8137339" y="1738031"/>
+            <a:ext cx="3381935" cy="3381935"/>
           </a:xfrm>
           <a:prstGeom prst="rect">
             <a:avLst/>
           </a:prstGeom>
         </p:spPr>
       </p:pic>
-      <p:pic>
-        <p:nvPicPr>
-          <p:cNvPr id="5" name="Content Placeholder 4" descr="Chart, line chart&#10;&#10;Description automatically generated">
-            <a:extLst>
-              <a:ext uri="{FF2B5EF4-FFF2-40B4-BE49-F238E27FC236}">
-                <a16:creationId xmlns:a16="http://schemas.microsoft.com/office/drawing/2014/main" id="{8AEC590F-C26C-2E4F-BFA8-0F779289A970}"/>
-              </a:ext>
-            </a:extLst>
-          </p:cNvPr>
-          <p:cNvPicPr>
-            <a:picLocks noGrp="1" noChangeAspect="1"/>
-          </p:cNvPicPr>
-          <p:nvPr>
-            <p:ph idx="1"/>
-          </p:nvPr>
-        </p:nvPicPr>
-        <p:blipFill>
-          <a:blip r:embed="rId3"/>
-          <a:stretch>
-            <a:fillRect/>
-          </a:stretch>
-        </p:blipFill>
-        <p:spPr>
-          <a:xfrm>
-            <a:off x="4994589" y="2787526"/>
-            <a:ext cx="6135375" cy="3041524"/>
-          </a:xfrm>
-        </p:spPr>
-      </p:pic>
-      <p:sp>
-        <p:nvSpPr>
-          <p:cNvPr id="3" name="TextBox 2">
-            <a:extLst>
-              <a:ext uri="{FF2B5EF4-FFF2-40B4-BE49-F238E27FC236}">
-                <a16:creationId xmlns:a16="http://schemas.microsoft.com/office/drawing/2014/main" id="{0656E49A-AB5A-D14E-BE69-770A24497048}"/>
-              </a:ext>
-            </a:extLst>
-          </p:cNvPr>
-          <p:cNvSpPr txBox="1"/>
-          <p:nvPr/>
-        </p:nvSpPr>
-        <p:spPr>
-          <a:xfrm>
-            <a:off x="1062036" y="3889459"/>
-            <a:ext cx="3601163" cy="1477328"/>
-          </a:xfrm>
-          <a:prstGeom prst="rect">
-            <a:avLst/>
-          </a:prstGeom>
-          <a:noFill/>
-        </p:spPr>
-        <p:txBody>
-          <a:bodyPr wrap="square" rtlCol="0">
-            <a:spAutoFit/>
-          </a:bodyPr>
-          <a:lstStyle/>
-          <a:p>
-            <a:br>
-              <a:rPr lang="en-US" dirty="0"/>
-            </a:br>
-            <a:r>
-              <a:rPr lang="en-US" dirty="0"/>
-              <a:t>Women in sports are underpaid, undervalued, and underfunded at every turn. But they’re fighting back—and winning.</a:t>
-            </a:r>
-            <a:endParaRPr lang="en-US" dirty="0">
-              <a:latin typeface="Source Sans Pro" panose="020B0503030403020204" pitchFamily="34" charset="0"/>
-              <a:ea typeface="Source Sans Pro" panose="020B0503030403020204" pitchFamily="34" charset="0"/>
-            </a:endParaRPr>
-          </a:p>
-        </p:txBody>
-      </p:sp>
     </p:spTree>
     <p:extLst>
       <p:ext uri="{BB962C8B-B14F-4D97-AF65-F5344CB8AC3E}">
-        <p14:creationId xmlns:p14="http://schemas.microsoft.com/office/powerpoint/2010/main" val="3815890322"/>
+        <p14:creationId xmlns:p14="http://schemas.microsoft.com/office/powerpoint/2010/main" val="4224785274"/>
       </p:ext>
     </p:extLst>
   </p:cSld>
@@ -4200,7 +4261,7 @@
     <p:bg>
       <p:bgPr>
         <a:solidFill>
-          <a:schemeClr val="bg1"/>
+          <a:srgbClr val="FCE5D7"/>
         </a:solidFill>
         <a:effectLst/>
       </p:bgPr>
@@ -4221,10 +4282,10 @@
       </p:grpSpPr>
       <p:sp useBgFill="1">
         <p:nvSpPr>
-          <p:cNvPr id="22" name="Rectangle 21">
-            <a:extLst>
-              <a:ext uri="{FF2B5EF4-FFF2-40B4-BE49-F238E27FC236}">
-                <a16:creationId xmlns:a16="http://schemas.microsoft.com/office/drawing/2014/main" id="{F53A4DA8-EBC1-410D-94F4-2B6E2C0197DB}"/>
+          <p:cNvPr id="79" name="Rectangle 78">
+            <a:extLst>
+              <a:ext uri="{FF2B5EF4-FFF2-40B4-BE49-F238E27FC236}">
+                <a16:creationId xmlns:a16="http://schemas.microsoft.com/office/drawing/2014/main" id="{72018E1B-E0B9-4440-AFF3-4112E50A2763}"/>
               </a:ext>
               <a:ext uri="{C183D7F6-B498-43B3-948B-1728B52AA6E4}">
                 <adec:decorative xmlns:adec="http://schemas.microsoft.com/office/drawing/2017/decorative" val="1"/>
@@ -4244,31 +4305,15 @@
         </p:nvSpPr>
         <p:spPr>
           <a:xfrm>
-            <a:off x="0" y="0"/>
-            <a:ext cx="12192000" cy="6858000"/>
+            <a:off x="-1" y="0"/>
+            <a:ext cx="12188952" cy="6858000"/>
           </a:xfrm>
           <a:prstGeom prst="rect">
             <a:avLst/>
           </a:prstGeom>
-          <a:ln w="12700" cap="flat" cmpd="sng" algn="ctr">
+          <a:ln>
             <a:noFill/>
-            <a:prstDash val="solid"/>
-            <a:miter lim="800000"/>
           </a:ln>
-          <a:effectLst/>
-          <a:extLst>
-            <a:ext uri="{91240B29-F687-4F45-9708-019B960494DF}">
-              <a14:hiddenLine xmlns:a14="http://schemas.microsoft.com/office/drawing/2010/main" w="12700" cap="flat" cmpd="sng" algn="ctr">
-                <a:solidFill>
-                  <a:schemeClr val="accent1">
-                    <a:shade val="50000"/>
-                  </a:schemeClr>
-                </a:solidFill>
-                <a:prstDash val="solid"/>
-                <a:miter lim="800000"/>
-              </a14:hiddenLine>
-            </a:ext>
-          </a:extLst>
         </p:spPr>
         <p:style>
           <a:lnRef idx="2">
@@ -4297,259 +4342,463 @@
       </p:sp>
       <p:sp>
         <p:nvSpPr>
-          <p:cNvPr id="24" name="Rectangle 23">
-            <a:extLst>
-              <a:ext uri="{FF2B5EF4-FFF2-40B4-BE49-F238E27FC236}">
-                <a16:creationId xmlns:a16="http://schemas.microsoft.com/office/drawing/2014/main" id="{B8AF3F2D-63F1-4537-ADE7-A62A71AE9555}"/>
-              </a:ext>
-              <a:ext uri="{C183D7F6-B498-43B3-948B-1728B52AA6E4}">
-                <adec:decorative xmlns:adec="http://schemas.microsoft.com/office/drawing/2017/decorative" val="1"/>
-              </a:ext>
-            </a:extLst>
-          </p:cNvPr>
-          <p:cNvSpPr>
-            <a:spLocks noGrp="1" noRot="1" noChangeAspect="1" noMove="1" noResize="1" noEditPoints="1" noAdjustHandles="1" noChangeArrowheads="1" noChangeShapeType="1" noTextEdit="1"/>
-          </p:cNvSpPr>
-          <p:nvPr>
-            <p:extLst>
-              <p:ext uri="{386F3935-93C4-4BCD-93E2-E3B085C9AB24}">
-                <p16:designElem xmlns:p16="http://schemas.microsoft.com/office/powerpoint/2015/main" val="1"/>
-              </p:ext>
-            </p:extLst>
-          </p:nvPr>
-        </p:nvSpPr>
-        <p:spPr>
-          <a:xfrm>
-            <a:off x="690994" y="685800"/>
-            <a:ext cx="5410201" cy="5486399"/>
-          </a:xfrm>
-          <a:prstGeom prst="rect">
-            <a:avLst/>
-          </a:prstGeom>
-          <a:solidFill>
-            <a:schemeClr val="accent2">
-              <a:lumMod val="20000"/>
-              <a:lumOff val="80000"/>
-            </a:schemeClr>
-          </a:solidFill>
-          <a:ln>
-            <a:noFill/>
-          </a:ln>
-        </p:spPr>
-        <p:style>
-          <a:lnRef idx="2">
-            <a:schemeClr val="accent1">
-              <a:shade val="50000"/>
-            </a:schemeClr>
-          </a:lnRef>
-          <a:fillRef idx="1">
-            <a:schemeClr val="accent1"/>
-          </a:fillRef>
-          <a:effectRef idx="0">
-            <a:schemeClr val="accent1"/>
-          </a:effectRef>
-          <a:fontRef idx="minor">
-            <a:schemeClr val="lt1"/>
-          </a:fontRef>
-        </p:style>
-        <p:txBody>
-          <a:bodyPr rtlCol="0" anchor="ctr"/>
+          <p:cNvPr id="2" name="Title 1">
+            <a:extLst>
+              <a:ext uri="{FF2B5EF4-FFF2-40B4-BE49-F238E27FC236}">
+                <a16:creationId xmlns:a16="http://schemas.microsoft.com/office/drawing/2014/main" id="{D8C1F101-051C-CD4E-9D21-9A9BD8B6FB48}"/>
+              </a:ext>
+            </a:extLst>
+          </p:cNvPr>
+          <p:cNvSpPr>
+            <a:spLocks noGrp="1"/>
+          </p:cNvSpPr>
+          <p:nvPr>
+            <p:ph type="title"/>
+          </p:nvPr>
+        </p:nvSpPr>
+        <p:spPr>
+          <a:xfrm>
+            <a:off x="836675" y="678424"/>
+            <a:ext cx="10515600" cy="1328759"/>
+          </a:xfrm>
+        </p:spPr>
+        <p:txBody>
+          <a:bodyPr vert="horz" lIns="91440" tIns="45720" rIns="91440" bIns="45720" rtlCol="0" anchor="ctr">
+            <a:normAutofit/>
+          </a:bodyPr>
           <a:lstStyle/>
           <a:p>
             <a:pPr algn="ctr"/>
-            <a:endParaRPr lang="en-US"/>
-          </a:p>
-        </p:txBody>
-      </p:sp>
-      <p:sp>
-        <p:nvSpPr>
-          <p:cNvPr id="7" name="TextBox 6">
-            <a:extLst>
-              <a:ext uri="{FF2B5EF4-FFF2-40B4-BE49-F238E27FC236}">
-                <a16:creationId xmlns:a16="http://schemas.microsoft.com/office/drawing/2014/main" id="{652A09C2-E9F3-B04F-B762-74D16372A186}"/>
-              </a:ext>
-            </a:extLst>
-          </p:cNvPr>
-          <p:cNvSpPr txBox="1"/>
-          <p:nvPr/>
-        </p:nvSpPr>
-        <p:spPr>
-          <a:xfrm>
-            <a:off x="923746" y="754461"/>
-            <a:ext cx="4826757" cy="1137926"/>
-          </a:xfrm>
-          <a:prstGeom prst="rect">
-            <a:avLst/>
-          </a:prstGeom>
-        </p:spPr>
-        <p:txBody>
-          <a:bodyPr vert="horz" lIns="91440" tIns="45720" rIns="91440" bIns="45720" rtlCol="0" anchor="b">
-            <a:noAutofit/>
-          </a:bodyPr>
-          <a:lstStyle/>
-          <a:p>
-            <a:pPr algn="ctr">
-              <a:lnSpc>
-                <a:spcPct val="90000"/>
-              </a:lnSpc>
-              <a:spcBef>
-                <a:spcPct val="0"/>
-              </a:spcBef>
-              <a:spcAft>
-                <a:spcPts val="600"/>
-              </a:spcAft>
-            </a:pPr>
-            <a:r>
-              <a:rPr lang="en-US" sz="4000" kern="1200" dirty="0">
+            <a:r>
+              <a:rPr lang="en-US" sz="5200" kern="1200" dirty="0">
                 <a:solidFill>
-                  <a:srgbClr val="595959"/>
+                  <a:schemeClr val="tx1">
+                    <a:lumMod val="65000"/>
+                    <a:lumOff val="35000"/>
+                  </a:schemeClr>
                 </a:solidFill>
                 <a:latin typeface="Abril Fatface" panose="02000503000000020003" pitchFamily="2" charset="77"/>
-                <a:ea typeface="Source Sans Pro" panose="020B0503030403020204" pitchFamily="34" charset="0"/>
-                <a:cs typeface="+mj-cs"/>
               </a:rPr>
-              <a:t>Women’s Suffrage</a:t>
-            </a:r>
-          </a:p>
-        </p:txBody>
-      </p:sp>
-      <p:sp>
-        <p:nvSpPr>
-          <p:cNvPr id="13" name="TextBox 12">
-            <a:extLst>
-              <a:ext uri="{FF2B5EF4-FFF2-40B4-BE49-F238E27FC236}">
-                <a16:creationId xmlns:a16="http://schemas.microsoft.com/office/drawing/2014/main" id="{797BB57B-61F4-6345-B7F5-D8A37B57F88A}"/>
-              </a:ext>
-            </a:extLst>
-          </p:cNvPr>
-          <p:cNvSpPr txBox="1"/>
-          <p:nvPr/>
-        </p:nvSpPr>
-        <p:spPr>
-          <a:xfrm>
-            <a:off x="1269242" y="2578188"/>
-            <a:ext cx="4241013" cy="2960167"/>
-          </a:xfrm>
-          <a:prstGeom prst="rect">
-            <a:avLst/>
-          </a:prstGeom>
-        </p:spPr>
-        <p:txBody>
-          <a:bodyPr vert="horz" lIns="91440" tIns="45720" rIns="91440" bIns="45720" rtlCol="0" anchor="t">
-            <a:normAutofit/>
-          </a:bodyPr>
-          <a:lstStyle/>
-          <a:p>
-            <a:pPr>
-              <a:lnSpc>
-                <a:spcPct val="90000"/>
-              </a:lnSpc>
-              <a:spcAft>
-                <a:spcPts val="600"/>
-              </a:spcAft>
-            </a:pPr>
-            <a:endParaRPr lang="en-US" sz="2000" dirty="0">
-              <a:solidFill>
-                <a:srgbClr val="595959"/>
-              </a:solidFill>
-              <a:latin typeface="+mj-lt"/>
-            </a:endParaRPr>
+              <a:t>Team</a:t>
+            </a:r>
           </a:p>
         </p:txBody>
       </p:sp>
       <p:pic>
         <p:nvPicPr>
-          <p:cNvPr id="11" name="Content Placeholder 10">
-            <a:extLst>
-              <a:ext uri="{FF2B5EF4-FFF2-40B4-BE49-F238E27FC236}">
-                <a16:creationId xmlns:a16="http://schemas.microsoft.com/office/drawing/2014/main" id="{10504C38-5EAD-8E42-ABB7-506330DCB583}"/>
+          <p:cNvPr id="2052" name="Picture 4" descr="Profile photo for Alexander Espinosa">
+            <a:extLst>
+              <a:ext uri="{FF2B5EF4-FFF2-40B4-BE49-F238E27FC236}">
+                <a16:creationId xmlns:a16="http://schemas.microsoft.com/office/drawing/2014/main" id="{87423CE2-CE28-1C41-9E47-F5E767248D00}"/>
               </a:ext>
             </a:extLst>
           </p:cNvPr>
           <p:cNvPicPr>
-            <a:picLocks noGrp="1" noChangeAspect="1"/>
-          </p:cNvPicPr>
-          <p:nvPr>
-            <p:ph idx="1"/>
-          </p:nvPr>
-        </p:nvPicPr>
-        <p:blipFill rotWithShape="1">
-          <a:blip r:embed="rId2"/>
-          <a:srcRect t="18482" b="6335"/>
-          <a:stretch/>
-        </p:blipFill>
-        <p:spPr>
-          <a:xfrm>
-            <a:off x="8885749" y="685798"/>
-            <a:ext cx="2918973" cy="5486400"/>
-          </a:xfrm>
-          <a:prstGeom prst="rect">
-            <a:avLst/>
-          </a:prstGeom>
-        </p:spPr>
-      </p:pic>
-      <p:pic>
-        <p:nvPicPr>
-          <p:cNvPr id="17" name="Picture 16" descr="A picture containing person, wall, indoor&#10;&#10;Description automatically generated">
-            <a:extLst>
-              <a:ext uri="{FF2B5EF4-FFF2-40B4-BE49-F238E27FC236}">
-                <a16:creationId xmlns:a16="http://schemas.microsoft.com/office/drawing/2014/main" id="{324D4986-3352-6842-AC6E-4C672FB0DFBE}"/>
-              </a:ext>
-            </a:extLst>
-          </p:cNvPr>
-          <p:cNvPicPr>
-            <a:picLocks noChangeAspect="1"/>
+            <a:picLocks noChangeAspect="1" noChangeArrowheads="1"/>
           </p:cNvPicPr>
           <p:nvPr/>
         </p:nvPicPr>
         <p:blipFill rotWithShape="1">
-          <a:blip r:embed="rId3"/>
-          <a:srcRect l="20940" t="2095" r="11571" b="14031"/>
+          <a:blip r:embed="rId2">
+            <a:extLst>
+              <a:ext uri="{28A0092B-C50C-407E-A947-70E740481C1C}">
+                <a14:useLocalDpi xmlns:a14="http://schemas.microsoft.com/office/drawing/2010/main" val="0"/>
+              </a:ext>
+            </a:extLst>
+          </a:blip>
+          <a:srcRect l="8680" r="19836" b="-1"/>
           <a:stretch/>
         </p:blipFill>
-        <p:spPr>
-          <a:xfrm>
-            <a:off x="6096000" y="694279"/>
-            <a:ext cx="2789748" cy="3156431"/>
+        <p:spPr bwMode="auto">
+          <a:xfrm>
+            <a:off x="184558" y="2962911"/>
+            <a:ext cx="2255462" cy="3155238"/>
           </a:xfrm>
           <a:prstGeom prst="rect">
             <a:avLst/>
           </a:prstGeom>
+          <a:noFill/>
+          <a:extLst>
+            <a:ext uri="{909E8E84-426E-40DD-AFC4-6F175D3DCCD1}">
+              <a14:hiddenFill xmlns:a14="http://schemas.microsoft.com/office/drawing/2010/main">
+                <a:solidFill>
+                  <a:srgbClr val="FFFFFF"/>
+                </a:solidFill>
+              </a14:hiddenFill>
+            </a:ext>
+          </a:extLst>
         </p:spPr>
       </p:pic>
       <p:pic>
         <p:nvPicPr>
-          <p:cNvPr id="15" name="Picture 14" descr="A group of people in costumes holding a sign&#10;&#10;Description automatically generated with low confidence">
-            <a:extLst>
-              <a:ext uri="{FF2B5EF4-FFF2-40B4-BE49-F238E27FC236}">
-                <a16:creationId xmlns:a16="http://schemas.microsoft.com/office/drawing/2014/main" id="{4FF01EB0-4B05-A241-816C-F040FF9C3CAC}"/>
+          <p:cNvPr id="2056" name="Picture 8" descr="Profile photo for Tyler Cutrer">
+            <a:extLst>
+              <a:ext uri="{FF2B5EF4-FFF2-40B4-BE49-F238E27FC236}">
+                <a16:creationId xmlns:a16="http://schemas.microsoft.com/office/drawing/2014/main" id="{D33DE299-50C2-AD49-AC05-74DC0D702292}"/>
               </a:ext>
             </a:extLst>
           </p:cNvPr>
           <p:cNvPicPr>
-            <a:picLocks noChangeAspect="1"/>
+            <a:picLocks noChangeAspect="1" noChangeArrowheads="1"/>
           </p:cNvPicPr>
           <p:nvPr/>
         </p:nvPicPr>
         <p:blipFill rotWithShape="1">
-          <a:blip r:embed="rId4"/>
-          <a:srcRect l="5251" r="22039" b="4"/>
+          <a:blip r:embed="rId3">
+            <a:extLst>
+              <a:ext uri="{28A0092B-C50C-407E-A947-70E740481C1C}">
+                <a14:useLocalDpi xmlns:a14="http://schemas.microsoft.com/office/drawing/2010/main" val="0"/>
+              </a:ext>
+            </a:extLst>
+          </a:blip>
+          <a:srcRect l="14051" r="14471" b="7"/>
           <a:stretch/>
         </p:blipFill>
-        <p:spPr>
-          <a:xfrm>
-            <a:off x="6096001" y="3429000"/>
-            <a:ext cx="2789748" cy="2743201"/>
+        <p:spPr bwMode="auto">
+          <a:xfrm>
+            <a:off x="2575696" y="2962911"/>
+            <a:ext cx="2255462" cy="3155238"/>
           </a:xfrm>
           <a:prstGeom prst="rect">
             <a:avLst/>
           </a:prstGeom>
+          <a:noFill/>
+          <a:extLst>
+            <a:ext uri="{909E8E84-426E-40DD-AFC4-6F175D3DCCD1}">
+              <a14:hiddenFill xmlns:a14="http://schemas.microsoft.com/office/drawing/2010/main">
+                <a:solidFill>
+                  <a:srgbClr val="FFFFFF"/>
+                </a:solidFill>
+              </a14:hiddenFill>
+            </a:ext>
+          </a:extLst>
         </p:spPr>
       </p:pic>
+      <p:pic>
+        <p:nvPicPr>
+          <p:cNvPr id="2054" name="Picture 6" descr="Profile photo for Celenia Chapa">
+            <a:extLst>
+              <a:ext uri="{FF2B5EF4-FFF2-40B4-BE49-F238E27FC236}">
+                <a16:creationId xmlns:a16="http://schemas.microsoft.com/office/drawing/2014/main" id="{77DB09ED-6B79-AF44-B17A-CA9F6C8BEBE3}"/>
+              </a:ext>
+            </a:extLst>
+          </p:cNvPr>
+          <p:cNvPicPr>
+            <a:picLocks noChangeAspect="1" noChangeArrowheads="1"/>
+          </p:cNvPicPr>
+          <p:nvPr/>
+        </p:nvPicPr>
+        <p:blipFill rotWithShape="1">
+          <a:blip r:embed="rId4">
+            <a:extLst>
+              <a:ext uri="{28A0092B-C50C-407E-A947-70E740481C1C}">
+                <a14:useLocalDpi xmlns:a14="http://schemas.microsoft.com/office/drawing/2010/main" val="0"/>
+              </a:ext>
+            </a:extLst>
+          </a:blip>
+          <a:srcRect l="14230" r="14292" b="7"/>
+          <a:stretch/>
+        </p:blipFill>
+        <p:spPr bwMode="auto">
+          <a:xfrm>
+            <a:off x="4966833" y="2962911"/>
+            <a:ext cx="2255462" cy="3155238"/>
+          </a:xfrm>
+          <a:prstGeom prst="rect">
+            <a:avLst/>
+          </a:prstGeom>
+          <a:noFill/>
+          <a:extLst>
+            <a:ext uri="{909E8E84-426E-40DD-AFC4-6F175D3DCCD1}">
+              <a14:hiddenFill xmlns:a14="http://schemas.microsoft.com/office/drawing/2010/main">
+                <a:solidFill>
+                  <a:srgbClr val="FFFFFF"/>
+                </a:solidFill>
+              </a14:hiddenFill>
+            </a:ext>
+          </a:extLst>
+        </p:spPr>
+      </p:pic>
+      <p:pic>
+        <p:nvPicPr>
+          <p:cNvPr id="2058" name="Picture 10" descr="May be an image of 1 person, standing and brick wall">
+            <a:extLst>
+              <a:ext uri="{FF2B5EF4-FFF2-40B4-BE49-F238E27FC236}">
+                <a16:creationId xmlns:a16="http://schemas.microsoft.com/office/drawing/2014/main" id="{16756FB2-11F0-5A4E-8530-7C76F8225D77}"/>
+              </a:ext>
+            </a:extLst>
+          </p:cNvPr>
+          <p:cNvPicPr>
+            <a:picLocks noChangeAspect="1" noChangeArrowheads="1"/>
+          </p:cNvPicPr>
+          <p:nvPr/>
+        </p:nvPicPr>
+        <p:blipFill rotWithShape="1">
+          <a:blip r:embed="rId5">
+            <a:extLst>
+              <a:ext uri="{28A0092B-C50C-407E-A947-70E740481C1C}">
+                <a14:useLocalDpi xmlns:a14="http://schemas.microsoft.com/office/drawing/2010/main" val="0"/>
+              </a:ext>
+            </a:extLst>
+          </a:blip>
+          <a:srcRect l="11376" t="87" r="17140" b="-89"/>
+          <a:stretch/>
+        </p:blipFill>
+        <p:spPr bwMode="auto">
+          <a:xfrm>
+            <a:off x="7357971" y="2962911"/>
+            <a:ext cx="2255462" cy="3155238"/>
+          </a:xfrm>
+          <a:prstGeom prst="rect">
+            <a:avLst/>
+          </a:prstGeom>
+          <a:noFill/>
+          <a:extLst>
+            <a:ext uri="{909E8E84-426E-40DD-AFC4-6F175D3DCCD1}">
+              <a14:hiddenFill xmlns:a14="http://schemas.microsoft.com/office/drawing/2010/main">
+                <a:solidFill>
+                  <a:srgbClr val="FFFFFF"/>
+                </a:solidFill>
+              </a14:hiddenFill>
+            </a:ext>
+          </a:extLst>
+        </p:spPr>
+      </p:pic>
+      <p:pic>
+        <p:nvPicPr>
+          <p:cNvPr id="2050" name="Picture 2" descr="Profile photo for Felecia Helms">
+            <a:extLst>
+              <a:ext uri="{FF2B5EF4-FFF2-40B4-BE49-F238E27FC236}">
+                <a16:creationId xmlns:a16="http://schemas.microsoft.com/office/drawing/2014/main" id="{27A0458C-BA53-F84B-B003-2244CD8EB9F9}"/>
+              </a:ext>
+            </a:extLst>
+          </p:cNvPr>
+          <p:cNvPicPr>
+            <a:picLocks noGrp="1" noChangeAspect="1" noChangeArrowheads="1"/>
+          </p:cNvPicPr>
+          <p:nvPr>
+            <p:ph idx="1"/>
+          </p:nvPr>
+        </p:nvPicPr>
+        <p:blipFill rotWithShape="1">
+          <a:blip r:embed="rId6">
+            <a:extLst>
+              <a:ext uri="{28A0092B-C50C-407E-A947-70E740481C1C}">
+                <a14:useLocalDpi xmlns:a14="http://schemas.microsoft.com/office/drawing/2010/main" val="0"/>
+              </a:ext>
+            </a:extLst>
+          </a:blip>
+          <a:srcRect l="28515" r="7" b="7"/>
+          <a:stretch/>
+        </p:blipFill>
+        <p:spPr bwMode="auto">
+          <a:xfrm>
+            <a:off x="9749109" y="2962911"/>
+            <a:ext cx="2255462" cy="3155238"/>
+          </a:xfrm>
+          <a:prstGeom prst="rect">
+            <a:avLst/>
+          </a:prstGeom>
+          <a:noFill/>
+          <a:extLst>
+            <a:ext uri="{909E8E84-426E-40DD-AFC4-6F175D3DCCD1}">
+              <a14:hiddenFill xmlns:a14="http://schemas.microsoft.com/office/drawing/2010/main">
+                <a:solidFill>
+                  <a:srgbClr val="FFFFFF"/>
+                </a:solidFill>
+              </a14:hiddenFill>
+            </a:ext>
+          </a:extLst>
+        </p:spPr>
+      </p:pic>
+      <p:sp>
+        <p:nvSpPr>
+          <p:cNvPr id="5" name="TextBox 4">
+            <a:extLst>
+              <a:ext uri="{FF2B5EF4-FFF2-40B4-BE49-F238E27FC236}">
+                <a16:creationId xmlns:a16="http://schemas.microsoft.com/office/drawing/2014/main" id="{DCA66109-1BBE-4442-81E4-E9002F2DC511}"/>
+              </a:ext>
+            </a:extLst>
+          </p:cNvPr>
+          <p:cNvSpPr txBox="1"/>
+          <p:nvPr/>
+        </p:nvSpPr>
+        <p:spPr>
+          <a:xfrm>
+            <a:off x="558044" y="2578001"/>
+            <a:ext cx="1599412" cy="400110"/>
+          </a:xfrm>
+          <a:prstGeom prst="rect">
+            <a:avLst/>
+          </a:prstGeom>
+          <a:noFill/>
+        </p:spPr>
+        <p:txBody>
+          <a:bodyPr wrap="none" rtlCol="0">
+            <a:spAutoFit/>
+          </a:bodyPr>
+          <a:lstStyle/>
+          <a:p>
+            <a:r>
+              <a:rPr lang="en-US" sz="2000" dirty="0"/>
+              <a:t>Alex Espinosa</a:t>
+            </a:r>
+          </a:p>
+        </p:txBody>
+      </p:sp>
+      <p:sp>
+        <p:nvSpPr>
+          <p:cNvPr id="6" name="TextBox 5">
+            <a:extLst>
+              <a:ext uri="{FF2B5EF4-FFF2-40B4-BE49-F238E27FC236}">
+                <a16:creationId xmlns:a16="http://schemas.microsoft.com/office/drawing/2014/main" id="{11FB2FFE-6630-454D-851F-AD53FAC1ACEE}"/>
+              </a:ext>
+            </a:extLst>
+          </p:cNvPr>
+          <p:cNvSpPr txBox="1"/>
+          <p:nvPr/>
+        </p:nvSpPr>
+        <p:spPr>
+          <a:xfrm>
+            <a:off x="7812441" y="2578001"/>
+            <a:ext cx="1358064" cy="400110"/>
+          </a:xfrm>
+          <a:prstGeom prst="rect">
+            <a:avLst/>
+          </a:prstGeom>
+          <a:noFill/>
+        </p:spPr>
+        <p:txBody>
+          <a:bodyPr wrap="none" rtlCol="0">
+            <a:spAutoFit/>
+          </a:bodyPr>
+          <a:lstStyle/>
+          <a:p>
+            <a:r>
+              <a:rPr lang="en-US" sz="2000" dirty="0"/>
+              <a:t>Ashley Lutz</a:t>
+            </a:r>
+          </a:p>
+        </p:txBody>
+      </p:sp>
+      <p:sp>
+        <p:nvSpPr>
+          <p:cNvPr id="7" name="TextBox 6">
+            <a:extLst>
+              <a:ext uri="{FF2B5EF4-FFF2-40B4-BE49-F238E27FC236}">
+                <a16:creationId xmlns:a16="http://schemas.microsoft.com/office/drawing/2014/main" id="{E0BC8B25-5386-1047-8C2E-61E39D23461C}"/>
+              </a:ext>
+            </a:extLst>
+          </p:cNvPr>
+          <p:cNvSpPr txBox="1"/>
+          <p:nvPr/>
+        </p:nvSpPr>
+        <p:spPr>
+          <a:xfrm>
+            <a:off x="10140997" y="2578001"/>
+            <a:ext cx="1618776" cy="400110"/>
+          </a:xfrm>
+          <a:prstGeom prst="rect">
+            <a:avLst/>
+          </a:prstGeom>
+          <a:noFill/>
+        </p:spPr>
+        <p:txBody>
+          <a:bodyPr wrap="none" rtlCol="0">
+            <a:spAutoFit/>
+          </a:bodyPr>
+          <a:lstStyle/>
+          <a:p>
+            <a:r>
+              <a:rPr lang="en-US" sz="2000" dirty="0"/>
+              <a:t>Felecia Helms</a:t>
+            </a:r>
+          </a:p>
+        </p:txBody>
+      </p:sp>
+      <p:sp>
+        <p:nvSpPr>
+          <p:cNvPr id="8" name="TextBox 7">
+            <a:extLst>
+              <a:ext uri="{FF2B5EF4-FFF2-40B4-BE49-F238E27FC236}">
+                <a16:creationId xmlns:a16="http://schemas.microsoft.com/office/drawing/2014/main" id="{DF3CD37C-7B54-7145-A506-B7C18B2BDFB2}"/>
+              </a:ext>
+            </a:extLst>
+          </p:cNvPr>
+          <p:cNvSpPr txBox="1"/>
+          <p:nvPr/>
+        </p:nvSpPr>
+        <p:spPr>
+          <a:xfrm>
+            <a:off x="3059981" y="2598758"/>
+            <a:ext cx="1410322" cy="400110"/>
+          </a:xfrm>
+          <a:prstGeom prst="rect">
+            <a:avLst/>
+          </a:prstGeom>
+          <a:noFill/>
+        </p:spPr>
+        <p:txBody>
+          <a:bodyPr wrap="none" rtlCol="0">
+            <a:spAutoFit/>
+          </a:bodyPr>
+          <a:lstStyle/>
+          <a:p>
+            <a:r>
+              <a:rPr lang="en-US" sz="2000" dirty="0"/>
+              <a:t>Tyler </a:t>
+            </a:r>
+            <a:r>
+              <a:rPr lang="en-US" sz="2000" dirty="0" err="1"/>
+              <a:t>Cutrer</a:t>
+            </a:r>
+            <a:endParaRPr lang="en-US" sz="2000" dirty="0"/>
+          </a:p>
+        </p:txBody>
+      </p:sp>
+      <p:sp>
+        <p:nvSpPr>
+          <p:cNvPr id="9" name="TextBox 8">
+            <a:extLst>
+              <a:ext uri="{FF2B5EF4-FFF2-40B4-BE49-F238E27FC236}">
+                <a16:creationId xmlns:a16="http://schemas.microsoft.com/office/drawing/2014/main" id="{5EEE957F-A82A-6B41-AB88-F32736477E8F}"/>
+              </a:ext>
+            </a:extLst>
+          </p:cNvPr>
+          <p:cNvSpPr txBox="1"/>
+          <p:nvPr/>
+        </p:nvSpPr>
+        <p:spPr>
+          <a:xfrm>
+            <a:off x="5335293" y="2598758"/>
+            <a:ext cx="1664238" cy="400110"/>
+          </a:xfrm>
+          <a:prstGeom prst="rect">
+            <a:avLst/>
+          </a:prstGeom>
+          <a:noFill/>
+        </p:spPr>
+        <p:txBody>
+          <a:bodyPr wrap="none" rtlCol="0">
+            <a:spAutoFit/>
+          </a:bodyPr>
+          <a:lstStyle/>
+          <a:p>
+            <a:r>
+              <a:rPr lang="en-US" sz="2000" dirty="0" err="1"/>
+              <a:t>Celenia</a:t>
+            </a:r>
+            <a:r>
+              <a:rPr lang="en-US" sz="2000" dirty="0"/>
+              <a:t> Chapa</a:t>
+            </a:r>
+          </a:p>
+        </p:txBody>
+      </p:sp>
     </p:spTree>
     <p:extLst>
       <p:ext uri="{BB962C8B-B14F-4D97-AF65-F5344CB8AC3E}">
-        <p14:creationId xmlns:p14="http://schemas.microsoft.com/office/powerpoint/2010/main" val="1519410837"/>
+        <p14:creationId xmlns:p14="http://schemas.microsoft.com/office/powerpoint/2010/main" val="974524763"/>
       </p:ext>
     </p:extLst>
   </p:cSld>
@@ -4586,10 +4835,10 @@
       </p:grpSpPr>
       <p:sp useBgFill="1">
         <p:nvSpPr>
-          <p:cNvPr id="12" name="Rectangle 11">
-            <a:extLst>
-              <a:ext uri="{FF2B5EF4-FFF2-40B4-BE49-F238E27FC236}">
-                <a16:creationId xmlns:a16="http://schemas.microsoft.com/office/drawing/2014/main" id="{9B6A81E7-2A43-4366-8431-1FA7A780A2E6}"/>
+          <p:cNvPr id="31" name="Rectangle 30">
+            <a:extLst>
+              <a:ext uri="{FF2B5EF4-FFF2-40B4-BE49-F238E27FC236}">
+                <a16:creationId xmlns:a16="http://schemas.microsoft.com/office/drawing/2014/main" id="{DF05ACD0-FF4A-4F8F-B5C5-6A4EBD0D1B38}"/>
               </a:ext>
               <a:ext uri="{C183D7F6-B498-43B3-948B-1728B52AA6E4}">
                 <adec:decorative xmlns:adec="http://schemas.microsoft.com/office/drawing/2017/decorative" val="1"/>
@@ -4660,41 +4909,12 @@
           </a:p>
         </p:txBody>
       </p:sp>
-      <p:pic>
-        <p:nvPicPr>
-          <p:cNvPr id="5" name="Content Placeholder 4" descr="A picture containing text&#10;&#10;Description automatically generated">
-            <a:extLst>
-              <a:ext uri="{FF2B5EF4-FFF2-40B4-BE49-F238E27FC236}">
-                <a16:creationId xmlns:a16="http://schemas.microsoft.com/office/drawing/2014/main" id="{E6BB208E-03AC-394A-A07E-9AB5FBBEC7A6}"/>
-              </a:ext>
-            </a:extLst>
-          </p:cNvPr>
-          <p:cNvPicPr>
-            <a:picLocks noChangeAspect="1"/>
-          </p:cNvPicPr>
-          <p:nvPr/>
-        </p:nvPicPr>
-        <p:blipFill rotWithShape="1">
-          <a:blip r:embed="rId2"/>
-          <a:srcRect l="29314" r="28830"/>
-          <a:stretch/>
-        </p:blipFill>
-        <p:spPr>
-          <a:xfrm>
-            <a:off x="153693" y="0"/>
-            <a:ext cx="5103069" cy="6858000"/>
-          </a:xfrm>
-          <a:prstGeom prst="rect">
-            <a:avLst/>
-          </a:prstGeom>
-        </p:spPr>
-      </p:pic>
-      <p:sp>
-        <p:nvSpPr>
-          <p:cNvPr id="14" name="Rectangle 13">
-            <a:extLst>
-              <a:ext uri="{FF2B5EF4-FFF2-40B4-BE49-F238E27FC236}">
-                <a16:creationId xmlns:a16="http://schemas.microsoft.com/office/drawing/2014/main" id="{D09B7001-6C15-47E8-8C3B-A6EB53C98D3A}"/>
+      <p:sp>
+        <p:nvSpPr>
+          <p:cNvPr id="33" name="Rectangle 32">
+            <a:extLst>
+              <a:ext uri="{FF2B5EF4-FFF2-40B4-BE49-F238E27FC236}">
+                <a16:creationId xmlns:a16="http://schemas.microsoft.com/office/drawing/2014/main" id="{4C9AFA28-B5ED-4346-9AF7-68A157F16C7E}"/>
               </a:ext>
               <a:ext uri="{C183D7F6-B498-43B3-948B-1728B52AA6E4}">
                 <adec:decorative xmlns:adec="http://schemas.microsoft.com/office/drawing/2017/decorative" val="1"/>
@@ -4714,8 +4934,8 @@
         </p:nvSpPr>
         <p:spPr>
           <a:xfrm>
-            <a:off x="5410200" y="1"/>
-            <a:ext cx="6781801" cy="6857999"/>
+            <a:off x="685800" y="685800"/>
+            <a:ext cx="10820400" cy="5486400"/>
           </a:xfrm>
           <a:prstGeom prst="rect">
             <a:avLst/>
@@ -4751,16 +4971,194 @@
           <a:lstStyle/>
           <a:p>
             <a:pPr algn="ctr"/>
-            <a:endParaRPr lang="en-US"/>
-          </a:p>
-        </p:txBody>
-      </p:sp>
-      <p:sp>
-        <p:nvSpPr>
-          <p:cNvPr id="16" name="Rectangle 15">
-            <a:extLst>
-              <a:ext uri="{FF2B5EF4-FFF2-40B4-BE49-F238E27FC236}">
-                <a16:creationId xmlns:a16="http://schemas.microsoft.com/office/drawing/2014/main" id="{7D3D7337-C310-4B2B-BE2D-98E9D6EC0DC8}"/>
+            <a:endParaRPr lang="en-US">
+              <a:solidFill>
+                <a:schemeClr val="bg2"/>
+              </a:solidFill>
+            </a:endParaRPr>
+          </a:p>
+        </p:txBody>
+      </p:sp>
+      <p:sp>
+        <p:nvSpPr>
+          <p:cNvPr id="2" name="Title 1">
+            <a:extLst>
+              <a:ext uri="{FF2B5EF4-FFF2-40B4-BE49-F238E27FC236}">
+                <a16:creationId xmlns:a16="http://schemas.microsoft.com/office/drawing/2014/main" id="{9F06A937-1F00-0844-9AC8-76E1DC4449B7}"/>
+              </a:ext>
+            </a:extLst>
+          </p:cNvPr>
+          <p:cNvSpPr>
+            <a:spLocks noGrp="1"/>
+          </p:cNvSpPr>
+          <p:nvPr>
+            <p:ph type="title"/>
+          </p:nvPr>
+        </p:nvSpPr>
+        <p:spPr>
+          <a:xfrm>
+            <a:off x="1467683" y="1452192"/>
+            <a:ext cx="4561369" cy="583543"/>
+          </a:xfrm>
+        </p:spPr>
+        <p:txBody>
+          <a:bodyPr vert="horz" lIns="91440" tIns="45720" rIns="91440" bIns="45720" rtlCol="0" anchor="b">
+            <a:noAutofit/>
+          </a:bodyPr>
+          <a:lstStyle/>
+          <a:p>
+            <a:pPr algn="ctr"/>
+            <a:r>
+              <a:rPr lang="en-US" sz="3600" kern="1200" dirty="0">
+                <a:solidFill>
+                  <a:srgbClr val="595959"/>
+                </a:solidFill>
+                <a:latin typeface="Abril Fatface" panose="02000503000000020003" pitchFamily="2" charset="77"/>
+              </a:rPr>
+              <a:t>Data Cleanup</a:t>
+            </a:r>
+          </a:p>
+        </p:txBody>
+      </p:sp>
+      <p:pic>
+        <p:nvPicPr>
+          <p:cNvPr id="5" name="Content Placeholder 4" descr="A person in a suit&#10;&#10;Description automatically generated with medium confidence">
+            <a:extLst>
+              <a:ext uri="{FF2B5EF4-FFF2-40B4-BE49-F238E27FC236}">
+                <a16:creationId xmlns:a16="http://schemas.microsoft.com/office/drawing/2014/main" id="{09AC6B39-3922-7B47-BBB9-4C0943F70783}"/>
+              </a:ext>
+            </a:extLst>
+          </p:cNvPr>
+          <p:cNvPicPr>
+            <a:picLocks noGrp="1" noChangeAspect="1"/>
+          </p:cNvPicPr>
+          <p:nvPr>
+            <p:ph idx="1"/>
+          </p:nvPr>
+        </p:nvPicPr>
+        <p:blipFill>
+          <a:blip r:embed="rId2"/>
+          <a:stretch>
+            <a:fillRect/>
+          </a:stretch>
+        </p:blipFill>
+        <p:spPr>
+          <a:xfrm>
+            <a:off x="6810935" y="1452192"/>
+            <a:ext cx="4018430" cy="3953616"/>
+          </a:xfrm>
+          <a:prstGeom prst="rect">
+            <a:avLst/>
+          </a:prstGeom>
+        </p:spPr>
+      </p:pic>
+      <p:sp>
+        <p:nvSpPr>
+          <p:cNvPr id="6" name="TextBox 5">
+            <a:extLst>
+              <a:ext uri="{FF2B5EF4-FFF2-40B4-BE49-F238E27FC236}">
+                <a16:creationId xmlns:a16="http://schemas.microsoft.com/office/drawing/2014/main" id="{65AC7D35-BF57-E44F-A37E-6CA0FFB5E372}"/>
+              </a:ext>
+            </a:extLst>
+          </p:cNvPr>
+          <p:cNvSpPr txBox="1"/>
+          <p:nvPr/>
+        </p:nvSpPr>
+        <p:spPr>
+          <a:xfrm>
+            <a:off x="1093782" y="2228671"/>
+            <a:ext cx="5584195" cy="2308324"/>
+          </a:xfrm>
+          <a:prstGeom prst="rect">
+            <a:avLst/>
+          </a:prstGeom>
+          <a:noFill/>
+        </p:spPr>
+        <p:txBody>
+          <a:bodyPr wrap="square" rtlCol="0">
+            <a:spAutoFit/>
+          </a:bodyPr>
+          <a:lstStyle/>
+          <a:p>
+            <a:endParaRPr lang="en-US" dirty="0"/>
+          </a:p>
+          <a:p>
+            <a:r>
+              <a:rPr lang="en-US" dirty="0"/>
+              <a:t>Data Source: </a:t>
+            </a:r>
+            <a:r>
+              <a:rPr lang="en-US" dirty="0">
+                <a:hlinkClick r:id="rId3"/>
+              </a:rPr>
+              <a:t>https://www.kaggle.com/heesoo37/120-years-of-olympic-history-athletes-and-results</a:t>
+            </a:r>
+            <a:endParaRPr lang="en-US" dirty="0"/>
+          </a:p>
+          <a:p>
+            <a:endParaRPr lang="en-US" dirty="0"/>
+          </a:p>
+          <a:p>
+            <a:r>
+              <a:rPr lang="en-US" dirty="0"/>
+              <a:t>The dataset that we sourced was HUGE.</a:t>
+            </a:r>
+          </a:p>
+          <a:p>
+            <a:endParaRPr lang="en-US" dirty="0"/>
+          </a:p>
+          <a:p>
+            <a:r>
+              <a:rPr lang="en-US" dirty="0"/>
+              <a:t>We knew that we wanted to focus on women’s participation in the Olympics.</a:t>
+            </a:r>
+          </a:p>
+        </p:txBody>
+      </p:sp>
+    </p:spTree>
+    <p:extLst>
+      <p:ext uri="{BB962C8B-B14F-4D97-AF65-F5344CB8AC3E}">
+        <p14:creationId xmlns:p14="http://schemas.microsoft.com/office/powerpoint/2010/main" val="1968928842"/>
+      </p:ext>
+    </p:extLst>
+  </p:cSld>
+  <p:clrMapOvr>
+    <a:masterClrMapping/>
+  </p:clrMapOvr>
+</p:sld>
+</file>
+
+<file path=ppt/slides/slide5.xml><?xml version="1.0" encoding="utf-8"?>
+<p:sld xmlns:a="http://schemas.openxmlformats.org/drawingml/2006/main" xmlns:r="http://schemas.openxmlformats.org/officeDocument/2006/relationships" xmlns:p="http://schemas.openxmlformats.org/presentationml/2006/main">
+  <p:cSld>
+    <p:bg>
+      <p:bgPr>
+        <a:solidFill>
+          <a:schemeClr val="bg1"/>
+        </a:solidFill>
+        <a:effectLst/>
+      </p:bgPr>
+    </p:bg>
+    <p:spTree>
+      <p:nvGrpSpPr>
+        <p:cNvPr id="1" name=""/>
+        <p:cNvGrpSpPr/>
+        <p:nvPr/>
+      </p:nvGrpSpPr>
+      <p:grpSpPr>
+        <a:xfrm>
+          <a:off x="0" y="0"/>
+          <a:ext cx="0" cy="0"/>
+          <a:chOff x="0" y="0"/>
+          <a:chExt cx="0" cy="0"/>
+        </a:xfrm>
+      </p:grpSpPr>
+      <p:sp useBgFill="1">
+        <p:nvSpPr>
+          <p:cNvPr id="8" name="Rectangle 7">
+            <a:extLst>
+              <a:ext uri="{FF2B5EF4-FFF2-40B4-BE49-F238E27FC236}">
+                <a16:creationId xmlns:a16="http://schemas.microsoft.com/office/drawing/2014/main" id="{CB299CAB-C506-454B-90FC-4065728297D3}"/>
               </a:ext>
               <a:ext uri="{C183D7F6-B498-43B3-948B-1728B52AA6E4}">
                 <adec:decorative xmlns:adec="http://schemas.microsoft.com/office/drawing/2017/decorative" val="1"/>
@@ -4780,18 +5178,31 @@
         </p:nvSpPr>
         <p:spPr>
           <a:xfrm>
-            <a:off x="6096565" y="685800"/>
-            <a:ext cx="5409636" cy="5486400"/>
+            <a:off x="0" y="0"/>
+            <a:ext cx="12192000" cy="6858000"/>
           </a:xfrm>
           <a:prstGeom prst="rect">
             <a:avLst/>
           </a:prstGeom>
-          <a:solidFill>
-            <a:schemeClr val="bg1"/>
-          </a:solidFill>
-          <a:ln>
+          <a:ln w="12700" cap="flat" cmpd="sng" algn="ctr">
             <a:noFill/>
+            <a:prstDash val="solid"/>
+            <a:miter lim="800000"/>
           </a:ln>
+          <a:effectLst/>
+          <a:extLst>
+            <a:ext uri="{91240B29-F687-4F45-9708-019B960494DF}">
+              <a14:hiddenLine xmlns:a14="http://schemas.microsoft.com/office/drawing/2010/main" w="12700" cap="flat" cmpd="sng" algn="ctr">
+                <a:solidFill>
+                  <a:schemeClr val="accent1">
+                    <a:shade val="50000"/>
+                  </a:schemeClr>
+                </a:solidFill>
+                <a:prstDash val="solid"/>
+                <a:miter lim="800000"/>
+              </a14:hiddenLine>
+            </a:ext>
+          </a:extLst>
         </p:spPr>
         <p:style>
           <a:lnRef idx="2">
@@ -4820,10 +5231,76 @@
       </p:sp>
       <p:sp>
         <p:nvSpPr>
+          <p:cNvPr id="10" name="Rectangle 9">
+            <a:extLst>
+              <a:ext uri="{FF2B5EF4-FFF2-40B4-BE49-F238E27FC236}">
+                <a16:creationId xmlns:a16="http://schemas.microsoft.com/office/drawing/2014/main" id="{C8D99311-F254-40F1-8AB5-EE3E7B9B6872}"/>
+              </a:ext>
+              <a:ext uri="{C183D7F6-B498-43B3-948B-1728B52AA6E4}">
+                <adec:decorative xmlns:adec="http://schemas.microsoft.com/office/drawing/2017/decorative" val="1"/>
+              </a:ext>
+            </a:extLst>
+          </p:cNvPr>
+          <p:cNvSpPr>
+            <a:spLocks noGrp="1" noRot="1" noChangeAspect="1" noMove="1" noResize="1" noEditPoints="1" noAdjustHandles="1" noChangeArrowheads="1" noChangeShapeType="1" noTextEdit="1"/>
+          </p:cNvSpPr>
+          <p:nvPr>
+            <p:extLst>
+              <p:ext uri="{386F3935-93C4-4BCD-93E2-E3B085C9AB24}">
+                <p16:designElem xmlns:p16="http://schemas.microsoft.com/office/powerpoint/2015/main" val="1"/>
+              </p:ext>
+            </p:extLst>
+          </p:nvPr>
+        </p:nvSpPr>
+        <p:spPr>
+          <a:xfrm>
+            <a:off x="685800" y="685800"/>
+            <a:ext cx="10820400" cy="1758576"/>
+          </a:xfrm>
+          <a:prstGeom prst="rect">
+            <a:avLst/>
+          </a:prstGeom>
+          <a:solidFill>
+            <a:schemeClr val="accent2">
+              <a:lumMod val="20000"/>
+              <a:lumOff val="80000"/>
+            </a:schemeClr>
+          </a:solidFill>
+          <a:ln>
+            <a:noFill/>
+          </a:ln>
+        </p:spPr>
+        <p:style>
+          <a:lnRef idx="2">
+            <a:schemeClr val="accent1">
+              <a:shade val="50000"/>
+            </a:schemeClr>
+          </a:lnRef>
+          <a:fillRef idx="1">
+            <a:schemeClr val="accent1"/>
+          </a:fillRef>
+          <a:effectRef idx="0">
+            <a:schemeClr val="accent1"/>
+          </a:effectRef>
+          <a:fontRef idx="minor">
+            <a:schemeClr val="lt1"/>
+          </a:fontRef>
+        </p:style>
+        <p:txBody>
+          <a:bodyPr rtlCol="0" anchor="ctr"/>
+          <a:lstStyle/>
+          <a:p>
+            <a:pPr algn="ctr"/>
+            <a:endParaRPr lang="en-US"/>
+          </a:p>
+        </p:txBody>
+      </p:sp>
+      <p:sp>
+        <p:nvSpPr>
           <p:cNvPr id="2" name="Title 1">
             <a:extLst>
               <a:ext uri="{FF2B5EF4-FFF2-40B4-BE49-F238E27FC236}">
-                <a16:creationId xmlns:a16="http://schemas.microsoft.com/office/drawing/2014/main" id="{B836284A-2B8A-E24D-B740-2B0B18E9AE2A}"/>
+                <a16:creationId xmlns:a16="http://schemas.microsoft.com/office/drawing/2014/main" id="{5B11EE7F-7B6C-074C-BBBC-068E18939352}"/>
               </a:ext>
             </a:extLst>
           </p:cNvPr>
@@ -4836,64 +5313,937 @@
         </p:nvSpPr>
         <p:spPr>
           <a:xfrm>
-            <a:off x="6746000" y="1253266"/>
-            <a:ext cx="4110197" cy="907199"/>
-          </a:xfrm>
-        </p:spPr>
-        <p:txBody>
-          <a:bodyPr anchor="b">
+            <a:off x="4842941" y="1103190"/>
+            <a:ext cx="8959893" cy="1004836"/>
+          </a:xfrm>
+        </p:spPr>
+        <p:txBody>
+          <a:bodyPr anchor="ctr">
             <a:normAutofit/>
           </a:bodyPr>
           <a:lstStyle/>
           <a:p>
             <a:pPr algn="ctr"/>
-            <a:endParaRPr lang="en-US" sz="3200">
-              <a:solidFill>
-                <a:schemeClr val="tx1">
-                  <a:lumMod val="65000"/>
-                  <a:lumOff val="35000"/>
-                </a:schemeClr>
-              </a:solidFill>
-            </a:endParaRPr>
-          </a:p>
-        </p:txBody>
-      </p:sp>
-      <p:sp>
-        <p:nvSpPr>
-          <p:cNvPr id="9" name="Content Placeholder 8">
-            <a:extLst>
-              <a:ext uri="{FF2B5EF4-FFF2-40B4-BE49-F238E27FC236}">
-                <a16:creationId xmlns:a16="http://schemas.microsoft.com/office/drawing/2014/main" id="{AD62D368-D787-4FCA-90A9-31A7FA44AFF9}"/>
-              </a:ext>
-            </a:extLst>
-          </p:cNvPr>
-          <p:cNvSpPr>
-            <a:spLocks noGrp="1"/>
-          </p:cNvSpPr>
-          <p:nvPr>
-            <p:ph idx="1"/>
-          </p:nvPr>
-        </p:nvSpPr>
-        <p:spPr>
-          <a:xfrm>
-            <a:off x="6746001" y="2458095"/>
-            <a:ext cx="4110198" cy="3075480"/>
-          </a:xfrm>
-        </p:spPr>
-        <p:txBody>
-          <a:bodyPr anchor="t">
+            <a:r>
+              <a:rPr lang="en-US" sz="3600" dirty="0">
+                <a:solidFill>
+                  <a:srgbClr val="595959"/>
+                </a:solidFill>
+                <a:latin typeface="Abril Fatface" panose="02000503000000020003" pitchFamily="2" charset="77"/>
+              </a:rPr>
+              <a:t>Women’s Suffrage</a:t>
+            </a:r>
+          </a:p>
+        </p:txBody>
+      </p:sp>
+      <p:sp>
+        <p:nvSpPr>
+          <p:cNvPr id="12" name="Rectangle 11">
+            <a:extLst>
+              <a:ext uri="{FF2B5EF4-FFF2-40B4-BE49-F238E27FC236}">
+                <a16:creationId xmlns:a16="http://schemas.microsoft.com/office/drawing/2014/main" id="{7D89E3CB-00ED-4691-9F0F-F23EA3564705}"/>
+              </a:ext>
+              <a:ext uri="{C183D7F6-B498-43B3-948B-1728B52AA6E4}">
+                <adec:decorative xmlns:adec="http://schemas.microsoft.com/office/drawing/2017/decorative" val="1"/>
+              </a:ext>
+            </a:extLst>
+          </p:cNvPr>
+          <p:cNvSpPr>
+            <a:spLocks noGrp="1" noRot="1" noChangeAspect="1" noMove="1" noResize="1" noEditPoints="1" noAdjustHandles="1" noChangeArrowheads="1" noChangeShapeType="1" noTextEdit="1"/>
+          </p:cNvSpPr>
+          <p:nvPr>
+            <p:extLst>
+              <p:ext uri="{386F3935-93C4-4BCD-93E2-E3B085C9AB24}">
+                <p16:designElem xmlns:p16="http://schemas.microsoft.com/office/powerpoint/2015/main" val="1"/>
+              </p:ext>
+            </p:extLst>
+          </p:nvPr>
+        </p:nvSpPr>
+        <p:spPr>
+          <a:xfrm>
+            <a:off x="682016" y="2444376"/>
+            <a:ext cx="10824184" cy="3727824"/>
+          </a:xfrm>
+          <a:prstGeom prst="rect">
+            <a:avLst/>
+          </a:prstGeom>
+          <a:solidFill>
+            <a:schemeClr val="accent2">
+              <a:lumMod val="20000"/>
+              <a:lumOff val="80000"/>
+              <a:alpha val="55000"/>
+            </a:schemeClr>
+          </a:solidFill>
+          <a:ln>
+            <a:noFill/>
+          </a:ln>
+        </p:spPr>
+        <p:style>
+          <a:lnRef idx="2">
+            <a:schemeClr val="accent1">
+              <a:shade val="50000"/>
+            </a:schemeClr>
+          </a:lnRef>
+          <a:fillRef idx="1">
+            <a:schemeClr val="accent1"/>
+          </a:fillRef>
+          <a:effectRef idx="0">
+            <a:schemeClr val="accent1"/>
+          </a:effectRef>
+          <a:fontRef idx="minor">
+            <a:schemeClr val="lt1"/>
+          </a:fontRef>
+        </p:style>
+        <p:txBody>
+          <a:bodyPr rtlCol="0" anchor="ctr"/>
+          <a:lstStyle/>
+          <a:p>
+            <a:pPr algn="ctr"/>
+            <a:endParaRPr lang="en-US"/>
+          </a:p>
+        </p:txBody>
+      </p:sp>
+      <p:pic>
+        <p:nvPicPr>
+          <p:cNvPr id="7" name="Picture 6" descr="A group of people&#10;&#10;Description automatically generated with low confidence">
+            <a:extLst>
+              <a:ext uri="{FF2B5EF4-FFF2-40B4-BE49-F238E27FC236}">
+                <a16:creationId xmlns:a16="http://schemas.microsoft.com/office/drawing/2014/main" id="{64C995C7-479C-8D48-94C4-59ED131479D2}"/>
+              </a:ext>
+            </a:extLst>
+          </p:cNvPr>
+          <p:cNvPicPr>
+            <a:picLocks noChangeAspect="1"/>
+          </p:cNvPicPr>
+          <p:nvPr/>
+        </p:nvPicPr>
+        <p:blipFill>
+          <a:blip r:embed="rId2"/>
+          <a:stretch>
+            <a:fillRect/>
+          </a:stretch>
+        </p:blipFill>
+        <p:spPr>
+          <a:xfrm>
+            <a:off x="947736" y="999293"/>
+            <a:ext cx="6024564" cy="2353345"/>
+          </a:xfrm>
+          <a:prstGeom prst="rect">
+            <a:avLst/>
+          </a:prstGeom>
+        </p:spPr>
+      </p:pic>
+      <p:sp>
+        <p:nvSpPr>
+          <p:cNvPr id="3" name="TextBox 2">
+            <a:extLst>
+              <a:ext uri="{FF2B5EF4-FFF2-40B4-BE49-F238E27FC236}">
+                <a16:creationId xmlns:a16="http://schemas.microsoft.com/office/drawing/2014/main" id="{0656E49A-AB5A-D14E-BE69-770A24497048}"/>
+              </a:ext>
+            </a:extLst>
+          </p:cNvPr>
+          <p:cNvSpPr txBox="1"/>
+          <p:nvPr/>
+        </p:nvSpPr>
+        <p:spPr>
+          <a:xfrm>
+            <a:off x="947736" y="3767613"/>
+            <a:ext cx="4552953" cy="1200329"/>
+          </a:xfrm>
+          <a:prstGeom prst="rect">
+            <a:avLst/>
+          </a:prstGeom>
+          <a:noFill/>
+        </p:spPr>
+        <p:txBody>
+          <a:bodyPr wrap="square" rtlCol="0">
+            <a:spAutoFit/>
+          </a:bodyPr>
+          <a:lstStyle/>
+          <a:p>
+            <a:br>
+              <a:rPr lang="en-US" dirty="0">
+                <a:latin typeface="Source Sans Pro" panose="020B0503030403020204" pitchFamily="34" charset="0"/>
+                <a:ea typeface="Source Sans Pro" panose="020B0503030403020204" pitchFamily="34" charset="0"/>
+              </a:rPr>
+            </a:br>
+            <a:r>
+              <a:rPr lang="en-US" dirty="0">
+                <a:latin typeface="Source Sans Pro" panose="020B0503030403020204" pitchFamily="34" charset="0"/>
+                <a:ea typeface="Source Sans Pro" panose="020B0503030403020204" pitchFamily="34" charset="0"/>
+              </a:rPr>
+              <a:t>Historically, women are underpaid, undervalued, and overlooked at every turn. But they’re fighting back—and winning.</a:t>
+            </a:r>
+          </a:p>
+        </p:txBody>
+      </p:sp>
+      <p:pic>
+        <p:nvPicPr>
+          <p:cNvPr id="11" name="Picture 10" descr="A picture containing text&#10;&#10;Description automatically generated">
+            <a:extLst>
+              <a:ext uri="{FF2B5EF4-FFF2-40B4-BE49-F238E27FC236}">
+                <a16:creationId xmlns:a16="http://schemas.microsoft.com/office/drawing/2014/main" id="{61E026B0-03A7-184D-9BFC-7F5D871CDE41}"/>
+              </a:ext>
+            </a:extLst>
+          </p:cNvPr>
+          <p:cNvPicPr>
+            <a:picLocks noChangeAspect="1"/>
+          </p:cNvPicPr>
+          <p:nvPr/>
+        </p:nvPicPr>
+        <p:blipFill rotWithShape="1">
+          <a:blip r:embed="rId3"/>
+          <a:srcRect l="14520" r="6992"/>
+          <a:stretch/>
+        </p:blipFill>
+        <p:spPr>
+          <a:xfrm>
+            <a:off x="5762625" y="2117389"/>
+            <a:ext cx="5481639" cy="3791319"/>
+          </a:xfrm>
+          <a:prstGeom prst="rect">
+            <a:avLst/>
+          </a:prstGeom>
+        </p:spPr>
+      </p:pic>
+    </p:spTree>
+    <p:extLst>
+      <p:ext uri="{BB962C8B-B14F-4D97-AF65-F5344CB8AC3E}">
+        <p14:creationId xmlns:p14="http://schemas.microsoft.com/office/powerpoint/2010/main" val="3815890322"/>
+      </p:ext>
+    </p:extLst>
+  </p:cSld>
+  <p:clrMapOvr>
+    <a:masterClrMapping/>
+  </p:clrMapOvr>
+</p:sld>
+</file>
+
+<file path=ppt/slides/slide6.xml><?xml version="1.0" encoding="utf-8"?>
+<p:sld xmlns:a="http://schemas.openxmlformats.org/drawingml/2006/main" xmlns:r="http://schemas.openxmlformats.org/officeDocument/2006/relationships" xmlns:p="http://schemas.openxmlformats.org/presentationml/2006/main">
+  <p:cSld>
+    <p:bg>
+      <p:bgPr>
+        <a:solidFill>
+          <a:schemeClr val="bg1"/>
+        </a:solidFill>
+        <a:effectLst/>
+      </p:bgPr>
+    </p:bg>
+    <p:spTree>
+      <p:nvGrpSpPr>
+        <p:cNvPr id="1" name=""/>
+        <p:cNvGrpSpPr/>
+        <p:nvPr/>
+      </p:nvGrpSpPr>
+      <p:grpSpPr>
+        <a:xfrm>
+          <a:off x="0" y="0"/>
+          <a:ext cx="0" cy="0"/>
+          <a:chOff x="0" y="0"/>
+          <a:chExt cx="0" cy="0"/>
+        </a:xfrm>
+      </p:grpSpPr>
+      <p:sp useBgFill="1">
+        <p:nvSpPr>
+          <p:cNvPr id="22" name="Rectangle 21">
+            <a:extLst>
+              <a:ext uri="{FF2B5EF4-FFF2-40B4-BE49-F238E27FC236}">
+                <a16:creationId xmlns:a16="http://schemas.microsoft.com/office/drawing/2014/main" id="{F53A4DA8-EBC1-410D-94F4-2B6E2C0197DB}"/>
+              </a:ext>
+              <a:ext uri="{C183D7F6-B498-43B3-948B-1728B52AA6E4}">
+                <adec:decorative xmlns:adec="http://schemas.microsoft.com/office/drawing/2017/decorative" val="1"/>
+              </a:ext>
+            </a:extLst>
+          </p:cNvPr>
+          <p:cNvSpPr>
+            <a:spLocks noGrp="1" noRot="1" noChangeAspect="1" noMove="1" noResize="1" noEditPoints="1" noAdjustHandles="1" noChangeArrowheads="1" noChangeShapeType="1" noTextEdit="1"/>
+          </p:cNvSpPr>
+          <p:nvPr>
+            <p:extLst>
+              <p:ext uri="{386F3935-93C4-4BCD-93E2-E3B085C9AB24}">
+                <p16:designElem xmlns:p16="http://schemas.microsoft.com/office/powerpoint/2015/main" val="1"/>
+              </p:ext>
+            </p:extLst>
+          </p:nvPr>
+        </p:nvSpPr>
+        <p:spPr>
+          <a:xfrm>
+            <a:off x="0" y="0"/>
+            <a:ext cx="12192000" cy="6858000"/>
+          </a:xfrm>
+          <a:prstGeom prst="rect">
+            <a:avLst/>
+          </a:prstGeom>
+          <a:ln w="12700" cap="flat" cmpd="sng" algn="ctr">
+            <a:noFill/>
+            <a:prstDash val="solid"/>
+            <a:miter lim="800000"/>
+          </a:ln>
+          <a:effectLst/>
+          <a:extLst>
+            <a:ext uri="{91240B29-F687-4F45-9708-019B960494DF}">
+              <a14:hiddenLine xmlns:a14="http://schemas.microsoft.com/office/drawing/2010/main" w="12700" cap="flat" cmpd="sng" algn="ctr">
+                <a:solidFill>
+                  <a:schemeClr val="accent1">
+                    <a:shade val="50000"/>
+                  </a:schemeClr>
+                </a:solidFill>
+                <a:prstDash val="solid"/>
+                <a:miter lim="800000"/>
+              </a14:hiddenLine>
+            </a:ext>
+          </a:extLst>
+        </p:spPr>
+        <p:style>
+          <a:lnRef idx="2">
+            <a:schemeClr val="accent1">
+              <a:shade val="50000"/>
+            </a:schemeClr>
+          </a:lnRef>
+          <a:fillRef idx="1">
+            <a:schemeClr val="accent1"/>
+          </a:fillRef>
+          <a:effectRef idx="0">
+            <a:schemeClr val="accent1"/>
+          </a:effectRef>
+          <a:fontRef idx="minor">
+            <a:schemeClr val="lt1"/>
+          </a:fontRef>
+        </p:style>
+        <p:txBody>
+          <a:bodyPr rtlCol="0" anchor="ctr"/>
+          <a:lstStyle/>
+          <a:p>
+            <a:pPr algn="ctr"/>
+            <a:endParaRPr lang="en-US"/>
+          </a:p>
+        </p:txBody>
+      </p:sp>
+      <p:sp>
+        <p:nvSpPr>
+          <p:cNvPr id="24" name="Rectangle 23">
+            <a:extLst>
+              <a:ext uri="{FF2B5EF4-FFF2-40B4-BE49-F238E27FC236}">
+                <a16:creationId xmlns:a16="http://schemas.microsoft.com/office/drawing/2014/main" id="{B8AF3F2D-63F1-4537-ADE7-A62A71AE9555}"/>
+              </a:ext>
+              <a:ext uri="{C183D7F6-B498-43B3-948B-1728B52AA6E4}">
+                <adec:decorative xmlns:adec="http://schemas.microsoft.com/office/drawing/2017/decorative" val="1"/>
+              </a:ext>
+            </a:extLst>
+          </p:cNvPr>
+          <p:cNvSpPr>
+            <a:spLocks noGrp="1" noRot="1" noChangeAspect="1" noMove="1" noResize="1" noEditPoints="1" noAdjustHandles="1" noChangeArrowheads="1" noChangeShapeType="1" noTextEdit="1"/>
+          </p:cNvSpPr>
+          <p:nvPr>
+            <p:extLst>
+              <p:ext uri="{386F3935-93C4-4BCD-93E2-E3B085C9AB24}">
+                <p16:designElem xmlns:p16="http://schemas.microsoft.com/office/powerpoint/2015/main" val="1"/>
+              </p:ext>
+            </p:extLst>
+          </p:nvPr>
+        </p:nvSpPr>
+        <p:spPr>
+          <a:xfrm>
+            <a:off x="690994" y="685800"/>
+            <a:ext cx="5410201" cy="5486399"/>
+          </a:xfrm>
+          <a:prstGeom prst="rect">
+            <a:avLst/>
+          </a:prstGeom>
+          <a:solidFill>
+            <a:schemeClr val="accent2">
+              <a:lumMod val="20000"/>
+              <a:lumOff val="80000"/>
+            </a:schemeClr>
+          </a:solidFill>
+          <a:ln>
+            <a:noFill/>
+          </a:ln>
+        </p:spPr>
+        <p:style>
+          <a:lnRef idx="2">
+            <a:schemeClr val="accent1">
+              <a:shade val="50000"/>
+            </a:schemeClr>
+          </a:lnRef>
+          <a:fillRef idx="1">
+            <a:schemeClr val="accent1"/>
+          </a:fillRef>
+          <a:effectRef idx="0">
+            <a:schemeClr val="accent1"/>
+          </a:effectRef>
+          <a:fontRef idx="minor">
+            <a:schemeClr val="lt1"/>
+          </a:fontRef>
+        </p:style>
+        <p:txBody>
+          <a:bodyPr rtlCol="0" anchor="ctr"/>
+          <a:lstStyle/>
+          <a:p>
+            <a:pPr algn="ctr"/>
+            <a:endParaRPr lang="en-US"/>
+          </a:p>
+        </p:txBody>
+      </p:sp>
+      <p:sp>
+        <p:nvSpPr>
+          <p:cNvPr id="7" name="TextBox 6">
+            <a:extLst>
+              <a:ext uri="{FF2B5EF4-FFF2-40B4-BE49-F238E27FC236}">
+                <a16:creationId xmlns:a16="http://schemas.microsoft.com/office/drawing/2014/main" id="{652A09C2-E9F3-B04F-B762-74D16372A186}"/>
+              </a:ext>
+            </a:extLst>
+          </p:cNvPr>
+          <p:cNvSpPr txBox="1"/>
+          <p:nvPr/>
+        </p:nvSpPr>
+        <p:spPr>
+          <a:xfrm>
+            <a:off x="923746" y="528399"/>
+            <a:ext cx="4826757" cy="1137926"/>
+          </a:xfrm>
+          <a:prstGeom prst="rect">
+            <a:avLst/>
+          </a:prstGeom>
+        </p:spPr>
+        <p:txBody>
+          <a:bodyPr vert="horz" lIns="91440" tIns="45720" rIns="91440" bIns="45720" rtlCol="0" anchor="b">
+            <a:noAutofit/>
+          </a:bodyPr>
+          <a:lstStyle/>
+          <a:p>
+            <a:pPr algn="ctr">
+              <a:lnSpc>
+                <a:spcPct val="90000"/>
+              </a:lnSpc>
+              <a:spcBef>
+                <a:spcPct val="0"/>
+              </a:spcBef>
+              <a:spcAft>
+                <a:spcPts val="600"/>
+              </a:spcAft>
+            </a:pPr>
+            <a:r>
+              <a:rPr lang="en-US" sz="3600" kern="1200" dirty="0">
+                <a:solidFill>
+                  <a:srgbClr val="595959"/>
+                </a:solidFill>
+                <a:latin typeface="Abril Fatface" panose="02000503000000020003" pitchFamily="2" charset="77"/>
+                <a:ea typeface="Source Sans Pro" panose="020B0503030403020204" pitchFamily="34" charset="0"/>
+                <a:cs typeface="+mj-cs"/>
+              </a:rPr>
+              <a:t>Women’s Suffrage</a:t>
+            </a:r>
+          </a:p>
+        </p:txBody>
+      </p:sp>
+      <p:sp>
+        <p:nvSpPr>
+          <p:cNvPr id="13" name="TextBox 12">
+            <a:extLst>
+              <a:ext uri="{FF2B5EF4-FFF2-40B4-BE49-F238E27FC236}">
+                <a16:creationId xmlns:a16="http://schemas.microsoft.com/office/drawing/2014/main" id="{797BB57B-61F4-6345-B7F5-D8A37B57F88A}"/>
+              </a:ext>
+            </a:extLst>
+          </p:cNvPr>
+          <p:cNvSpPr txBox="1"/>
+          <p:nvPr/>
+        </p:nvSpPr>
+        <p:spPr>
+          <a:xfrm>
+            <a:off x="1269242" y="2578188"/>
+            <a:ext cx="4241013" cy="2960167"/>
+          </a:xfrm>
+          <a:prstGeom prst="rect">
+            <a:avLst/>
+          </a:prstGeom>
+        </p:spPr>
+        <p:txBody>
+          <a:bodyPr vert="horz" lIns="91440" tIns="45720" rIns="91440" bIns="45720" rtlCol="0" anchor="t">
             <a:normAutofit/>
           </a:bodyPr>
           <a:lstStyle/>
           <a:p>
-            <a:endParaRPr lang="en-US" sz="2000">
+            <a:pPr>
+              <a:lnSpc>
+                <a:spcPct val="90000"/>
+              </a:lnSpc>
+              <a:spcAft>
+                <a:spcPts val="600"/>
+              </a:spcAft>
+            </a:pPr>
+            <a:endParaRPr lang="en-US" sz="2000" dirty="0">
               <a:solidFill>
-                <a:schemeClr val="tx1">
-                  <a:lumMod val="65000"/>
-                  <a:lumOff val="35000"/>
-                </a:schemeClr>
+                <a:srgbClr val="595959"/>
               </a:solidFill>
+              <a:latin typeface="+mj-lt"/>
             </a:endParaRPr>
+          </a:p>
+        </p:txBody>
+      </p:sp>
+      <p:pic>
+        <p:nvPicPr>
+          <p:cNvPr id="11" name="Content Placeholder 10">
+            <a:extLst>
+              <a:ext uri="{FF2B5EF4-FFF2-40B4-BE49-F238E27FC236}">
+                <a16:creationId xmlns:a16="http://schemas.microsoft.com/office/drawing/2014/main" id="{10504C38-5EAD-8E42-ABB7-506330DCB583}"/>
+              </a:ext>
+            </a:extLst>
+          </p:cNvPr>
+          <p:cNvPicPr>
+            <a:picLocks noGrp="1" noChangeAspect="1"/>
+          </p:cNvPicPr>
+          <p:nvPr>
+            <p:ph idx="1"/>
+          </p:nvPr>
+        </p:nvPicPr>
+        <p:blipFill rotWithShape="1">
+          <a:blip r:embed="rId2"/>
+          <a:srcRect t="18482" b="6335"/>
+          <a:stretch/>
+        </p:blipFill>
+        <p:spPr>
+          <a:xfrm>
+            <a:off x="8885749" y="685798"/>
+            <a:ext cx="2918973" cy="5486400"/>
+          </a:xfrm>
+          <a:prstGeom prst="rect">
+            <a:avLst/>
+          </a:prstGeom>
+        </p:spPr>
+      </p:pic>
+      <p:pic>
+        <p:nvPicPr>
+          <p:cNvPr id="17" name="Picture 16" descr="A picture containing person, wall, indoor&#10;&#10;Description automatically generated">
+            <a:extLst>
+              <a:ext uri="{FF2B5EF4-FFF2-40B4-BE49-F238E27FC236}">
+                <a16:creationId xmlns:a16="http://schemas.microsoft.com/office/drawing/2014/main" id="{324D4986-3352-6842-AC6E-4C672FB0DFBE}"/>
+              </a:ext>
+            </a:extLst>
+          </p:cNvPr>
+          <p:cNvPicPr>
+            <a:picLocks noChangeAspect="1"/>
+          </p:cNvPicPr>
+          <p:nvPr/>
+        </p:nvPicPr>
+        <p:blipFill rotWithShape="1">
+          <a:blip r:embed="rId3"/>
+          <a:srcRect l="20940" t="2095" r="11571" b="14031"/>
+          <a:stretch/>
+        </p:blipFill>
+        <p:spPr>
+          <a:xfrm>
+            <a:off x="6096000" y="694279"/>
+            <a:ext cx="2789748" cy="3156431"/>
+          </a:xfrm>
+          <a:prstGeom prst="rect">
+            <a:avLst/>
+          </a:prstGeom>
+        </p:spPr>
+      </p:pic>
+      <p:pic>
+        <p:nvPicPr>
+          <p:cNvPr id="15" name="Picture 14" descr="A group of people in costumes holding a sign&#10;&#10;Description automatically generated with low confidence">
+            <a:extLst>
+              <a:ext uri="{FF2B5EF4-FFF2-40B4-BE49-F238E27FC236}">
+                <a16:creationId xmlns:a16="http://schemas.microsoft.com/office/drawing/2014/main" id="{4FF01EB0-4B05-A241-816C-F040FF9C3CAC}"/>
+              </a:ext>
+            </a:extLst>
+          </p:cNvPr>
+          <p:cNvPicPr>
+            <a:picLocks noChangeAspect="1"/>
+          </p:cNvPicPr>
+          <p:nvPr/>
+        </p:nvPicPr>
+        <p:blipFill rotWithShape="1">
+          <a:blip r:embed="rId4"/>
+          <a:srcRect l="5251" r="22039" b="4"/>
+          <a:stretch/>
+        </p:blipFill>
+        <p:spPr>
+          <a:xfrm>
+            <a:off x="6096001" y="3429000"/>
+            <a:ext cx="2789748" cy="2743201"/>
+          </a:xfrm>
+          <a:prstGeom prst="rect">
+            <a:avLst/>
+          </a:prstGeom>
+        </p:spPr>
+      </p:pic>
+      <p:pic>
+        <p:nvPicPr>
+          <p:cNvPr id="3" name="Picture 2" descr="Chart, line chart&#10;&#10;Description automatically generated">
+            <a:extLst>
+              <a:ext uri="{FF2B5EF4-FFF2-40B4-BE49-F238E27FC236}">
+                <a16:creationId xmlns:a16="http://schemas.microsoft.com/office/drawing/2014/main" id="{38093521-24B1-EA4E-8DC4-72B11D9A2101}"/>
+              </a:ext>
+            </a:extLst>
+          </p:cNvPr>
+          <p:cNvPicPr>
+            <a:picLocks noChangeAspect="1"/>
+          </p:cNvPicPr>
+          <p:nvPr/>
+        </p:nvPicPr>
+        <p:blipFill>
+          <a:blip r:embed="rId5"/>
+          <a:stretch>
+            <a:fillRect/>
+          </a:stretch>
+        </p:blipFill>
+        <p:spPr>
+          <a:xfrm>
+            <a:off x="765561" y="3428998"/>
+            <a:ext cx="5248374" cy="2624188"/>
+          </a:xfrm>
+          <a:prstGeom prst="rect">
+            <a:avLst/>
+          </a:prstGeom>
+        </p:spPr>
+      </p:pic>
+    </p:spTree>
+    <p:extLst>
+      <p:ext uri="{BB962C8B-B14F-4D97-AF65-F5344CB8AC3E}">
+        <p14:creationId xmlns:p14="http://schemas.microsoft.com/office/powerpoint/2010/main" val="1519410837"/>
+      </p:ext>
+    </p:extLst>
+  </p:cSld>
+  <p:clrMapOvr>
+    <a:masterClrMapping/>
+  </p:clrMapOvr>
+</p:sld>
+</file>
+
+<file path=ppt/slides/slide7.xml><?xml version="1.0" encoding="utf-8"?>
+<p:sld xmlns:a="http://schemas.openxmlformats.org/drawingml/2006/main" xmlns:r="http://schemas.openxmlformats.org/officeDocument/2006/relationships" xmlns:p="http://schemas.openxmlformats.org/presentationml/2006/main">
+  <p:cSld>
+    <p:bg>
+      <p:bgPr>
+        <a:solidFill>
+          <a:srgbClr val="FCE5D7"/>
+        </a:solidFill>
+        <a:effectLst/>
+      </p:bgPr>
+    </p:bg>
+    <p:spTree>
+      <p:nvGrpSpPr>
+        <p:cNvPr id="1" name=""/>
+        <p:cNvGrpSpPr/>
+        <p:nvPr/>
+      </p:nvGrpSpPr>
+      <p:grpSpPr>
+        <a:xfrm>
+          <a:off x="0" y="0"/>
+          <a:ext cx="0" cy="0"/>
+          <a:chOff x="0" y="0"/>
+          <a:chExt cx="0" cy="0"/>
+        </a:xfrm>
+      </p:grpSpPr>
+      <p:pic>
+        <p:nvPicPr>
+          <p:cNvPr id="4" name="Content Placeholder 3" descr="Chart, line chart&#10;&#10;Description automatically generated">
+            <a:extLst>
+              <a:ext uri="{FF2B5EF4-FFF2-40B4-BE49-F238E27FC236}">
+                <a16:creationId xmlns:a16="http://schemas.microsoft.com/office/drawing/2014/main" id="{86F6BAEF-AC0E-F24F-AA9B-3996D444A5C7}"/>
+              </a:ext>
+            </a:extLst>
+          </p:cNvPr>
+          <p:cNvPicPr>
+            <a:picLocks noGrp="1" noChangeAspect="1"/>
+          </p:cNvPicPr>
+          <p:nvPr>
+            <p:ph idx="4294967295"/>
+          </p:nvPr>
+        </p:nvPicPr>
+        <p:blipFill rotWithShape="1">
+          <a:blip r:embed="rId2"/>
+          <a:srcRect l="6144" t="5233" r="6878" b="3383"/>
+          <a:stretch/>
+        </p:blipFill>
+        <p:spPr>
+          <a:xfrm>
+            <a:off x="1017490" y="1188915"/>
+            <a:ext cx="5012495" cy="2633146"/>
+          </a:xfrm>
+        </p:spPr>
+      </p:pic>
+      <p:pic>
+        <p:nvPicPr>
+          <p:cNvPr id="7" name="Picture 6" descr="Chart, line chart&#10;&#10;Description automatically generated">
+            <a:extLst>
+              <a:ext uri="{FF2B5EF4-FFF2-40B4-BE49-F238E27FC236}">
+                <a16:creationId xmlns:a16="http://schemas.microsoft.com/office/drawing/2014/main" id="{7BA7F47B-16A0-ED4F-A1FA-7FF238B11FF6}"/>
+              </a:ext>
+            </a:extLst>
+          </p:cNvPr>
+          <p:cNvPicPr>
+            <a:picLocks noChangeAspect="1"/>
+          </p:cNvPicPr>
+          <p:nvPr/>
+        </p:nvPicPr>
+        <p:blipFill rotWithShape="1">
+          <a:blip r:embed="rId3"/>
+          <a:srcRect l="6612" t="5468" r="6617" b="2344"/>
+          <a:stretch/>
+        </p:blipFill>
+        <p:spPr>
+          <a:xfrm>
+            <a:off x="1003040" y="3957636"/>
+            <a:ext cx="5041394" cy="2678073"/>
+          </a:xfrm>
+          <a:prstGeom prst="rect">
+            <a:avLst/>
+          </a:prstGeom>
+        </p:spPr>
+      </p:pic>
+      <p:pic>
+        <p:nvPicPr>
+          <p:cNvPr id="10" name="Picture 9" descr="Chart, line chart&#10;&#10;Description automatically generated">
+            <a:extLst>
+              <a:ext uri="{FF2B5EF4-FFF2-40B4-BE49-F238E27FC236}">
+                <a16:creationId xmlns:a16="http://schemas.microsoft.com/office/drawing/2014/main" id="{A15D9ACD-9704-BC4E-A69E-DE3D61482C82}"/>
+              </a:ext>
+            </a:extLst>
+          </p:cNvPr>
+          <p:cNvPicPr>
+            <a:picLocks noChangeAspect="1"/>
+          </p:cNvPicPr>
+          <p:nvPr/>
+        </p:nvPicPr>
+        <p:blipFill rotWithShape="1">
+          <a:blip r:embed="rId4"/>
+          <a:srcRect l="6611" t="5728" r="7624" b="201"/>
+          <a:stretch/>
+        </p:blipFill>
+        <p:spPr>
+          <a:xfrm>
+            <a:off x="6162017" y="1188915"/>
+            <a:ext cx="4883224" cy="2678073"/>
+          </a:xfrm>
+          <a:prstGeom prst="rect">
+            <a:avLst/>
+          </a:prstGeom>
+        </p:spPr>
+      </p:pic>
+      <p:pic>
+        <p:nvPicPr>
+          <p:cNvPr id="13" name="Picture 12" descr="Chart, line chart&#10;&#10;Description automatically generated">
+            <a:extLst>
+              <a:ext uri="{FF2B5EF4-FFF2-40B4-BE49-F238E27FC236}">
+                <a16:creationId xmlns:a16="http://schemas.microsoft.com/office/drawing/2014/main" id="{8FD79B15-979B-E446-B27A-90CA7C58FA99}"/>
+              </a:ext>
+            </a:extLst>
+          </p:cNvPr>
+          <p:cNvPicPr>
+            <a:picLocks noChangeAspect="1"/>
+          </p:cNvPicPr>
+          <p:nvPr/>
+        </p:nvPicPr>
+        <p:blipFill rotWithShape="1">
+          <a:blip r:embed="rId5"/>
+          <a:srcRect l="6611" t="4687" r="6618"/>
+          <a:stretch/>
+        </p:blipFill>
+        <p:spPr>
+          <a:xfrm>
+            <a:off x="6162017" y="3957637"/>
+            <a:ext cx="4883224" cy="2681986"/>
+          </a:xfrm>
+          <a:prstGeom prst="rect">
+            <a:avLst/>
+          </a:prstGeom>
+        </p:spPr>
+      </p:pic>
+      <p:sp>
+        <p:nvSpPr>
+          <p:cNvPr id="15" name="TextBox 14">
+            <a:extLst>
+              <a:ext uri="{FF2B5EF4-FFF2-40B4-BE49-F238E27FC236}">
+                <a16:creationId xmlns:a16="http://schemas.microsoft.com/office/drawing/2014/main" id="{BD2926E6-0D16-E84A-B433-C085A47EA500}"/>
+              </a:ext>
+            </a:extLst>
+          </p:cNvPr>
+          <p:cNvSpPr txBox="1"/>
+          <p:nvPr/>
+        </p:nvSpPr>
+        <p:spPr>
+          <a:xfrm>
+            <a:off x="4074319" y="468565"/>
+            <a:ext cx="4043362" cy="584775"/>
+          </a:xfrm>
+          <a:prstGeom prst="rect">
+            <a:avLst/>
+          </a:prstGeom>
+          <a:noFill/>
+        </p:spPr>
+        <p:txBody>
+          <a:bodyPr wrap="square" rtlCol="0">
+            <a:spAutoFit/>
+          </a:bodyPr>
+          <a:lstStyle/>
+          <a:p>
+            <a:r>
+              <a:rPr lang="en-US" sz="3200" dirty="0">
+                <a:solidFill>
+                  <a:schemeClr val="tx1">
+                    <a:lumMod val="65000"/>
+                    <a:lumOff val="35000"/>
+                  </a:schemeClr>
+                </a:solidFill>
+                <a:latin typeface="Abril Fatface" panose="02000503000000020003" pitchFamily="2" charset="77"/>
+              </a:rPr>
+              <a:t>World Participation</a:t>
+            </a:r>
+          </a:p>
+        </p:txBody>
+      </p:sp>
+      <p:sp>
+        <p:nvSpPr>
+          <p:cNvPr id="17" name="TextBox 16">
+            <a:extLst>
+              <a:ext uri="{FF2B5EF4-FFF2-40B4-BE49-F238E27FC236}">
+                <a16:creationId xmlns:a16="http://schemas.microsoft.com/office/drawing/2014/main" id="{47136833-EF27-0540-A709-EE5969096E5E}"/>
+              </a:ext>
+            </a:extLst>
+          </p:cNvPr>
+          <p:cNvSpPr txBox="1"/>
+          <p:nvPr/>
+        </p:nvSpPr>
+        <p:spPr>
+          <a:xfrm>
+            <a:off x="280035" y="2350858"/>
+            <a:ext cx="740908" cy="369332"/>
+          </a:xfrm>
+          <a:prstGeom prst="rect">
+            <a:avLst/>
+          </a:prstGeom>
+          <a:noFill/>
+        </p:spPr>
+        <p:txBody>
+          <a:bodyPr wrap="none" rtlCol="0">
+            <a:spAutoFit/>
+          </a:bodyPr>
+          <a:lstStyle/>
+          <a:p>
+            <a:r>
+              <a:rPr lang="en-US" dirty="0">
+                <a:latin typeface="Source Sans Pro" panose="020B0503030403020204" pitchFamily="34" charset="0"/>
+                <a:ea typeface="Source Sans Pro" panose="020B0503030403020204" pitchFamily="34" charset="0"/>
+              </a:rPr>
+              <a:t>China</a:t>
+            </a:r>
+          </a:p>
+        </p:txBody>
+      </p:sp>
+      <p:sp>
+        <p:nvSpPr>
+          <p:cNvPr id="18" name="TextBox 17">
+            <a:extLst>
+              <a:ext uri="{FF2B5EF4-FFF2-40B4-BE49-F238E27FC236}">
+                <a16:creationId xmlns:a16="http://schemas.microsoft.com/office/drawing/2014/main" id="{FE4E0701-E161-A349-8F86-880CD5AC0A95}"/>
+              </a:ext>
+            </a:extLst>
+          </p:cNvPr>
+          <p:cNvSpPr txBox="1"/>
+          <p:nvPr/>
+        </p:nvSpPr>
+        <p:spPr>
+          <a:xfrm>
+            <a:off x="11045241" y="2320822"/>
+            <a:ext cx="774571" cy="369332"/>
+          </a:xfrm>
+          <a:prstGeom prst="rect">
+            <a:avLst/>
+          </a:prstGeom>
+          <a:noFill/>
+        </p:spPr>
+        <p:txBody>
+          <a:bodyPr wrap="none" rtlCol="0">
+            <a:spAutoFit/>
+          </a:bodyPr>
+          <a:lstStyle/>
+          <a:p>
+            <a:r>
+              <a:rPr lang="en-US" dirty="0"/>
+              <a:t>Russia</a:t>
+            </a:r>
+          </a:p>
+        </p:txBody>
+      </p:sp>
+      <p:sp>
+        <p:nvSpPr>
+          <p:cNvPr id="19" name="TextBox 18">
+            <a:extLst>
+              <a:ext uri="{FF2B5EF4-FFF2-40B4-BE49-F238E27FC236}">
+                <a16:creationId xmlns:a16="http://schemas.microsoft.com/office/drawing/2014/main" id="{A1DDB170-B2C6-614E-9590-B81A895E8BB2}"/>
+              </a:ext>
+            </a:extLst>
+          </p:cNvPr>
+          <p:cNvSpPr txBox="1"/>
+          <p:nvPr/>
+        </p:nvSpPr>
+        <p:spPr>
+          <a:xfrm>
+            <a:off x="11120048" y="5112007"/>
+            <a:ext cx="582211" cy="369332"/>
+          </a:xfrm>
+          <a:prstGeom prst="rect">
+            <a:avLst/>
+          </a:prstGeom>
+          <a:noFill/>
+        </p:spPr>
+        <p:txBody>
+          <a:bodyPr wrap="none" rtlCol="0">
+            <a:spAutoFit/>
+          </a:bodyPr>
+          <a:lstStyle/>
+          <a:p>
+            <a:r>
+              <a:rPr lang="en-US" dirty="0">
+                <a:latin typeface="Source Sans Pro" panose="020B0503030403020204" pitchFamily="34" charset="0"/>
+                <a:ea typeface="Source Sans Pro" panose="020B0503030403020204" pitchFamily="34" charset="0"/>
+              </a:rPr>
+              <a:t>USA</a:t>
+            </a:r>
+          </a:p>
+        </p:txBody>
+      </p:sp>
+      <p:sp>
+        <p:nvSpPr>
+          <p:cNvPr id="20" name="TextBox 19">
+            <a:extLst>
+              <a:ext uri="{FF2B5EF4-FFF2-40B4-BE49-F238E27FC236}">
+                <a16:creationId xmlns:a16="http://schemas.microsoft.com/office/drawing/2014/main" id="{D4E5EDA2-03CE-3345-99C3-6B810D964987}"/>
+              </a:ext>
+            </a:extLst>
+          </p:cNvPr>
+          <p:cNvSpPr txBox="1"/>
+          <p:nvPr/>
+        </p:nvSpPr>
+        <p:spPr>
+          <a:xfrm>
+            <a:off x="218851" y="4927341"/>
+            <a:ext cx="784189" cy="369332"/>
+          </a:xfrm>
+          <a:prstGeom prst="rect">
+            <a:avLst/>
+          </a:prstGeom>
+          <a:noFill/>
+        </p:spPr>
+        <p:txBody>
+          <a:bodyPr wrap="none" rtlCol="0">
+            <a:spAutoFit/>
+          </a:bodyPr>
+          <a:lstStyle/>
+          <a:p>
+            <a:pPr algn="just"/>
+            <a:r>
+              <a:rPr lang="en-US" dirty="0">
+                <a:latin typeface="Source Sans Pro" panose="020B0503030403020204" pitchFamily="34" charset="0"/>
+                <a:ea typeface="Source Sans Pro" panose="020B0503030403020204" pitchFamily="34" charset="0"/>
+              </a:rPr>
+              <a:t>Japan</a:t>
+            </a:r>
           </a:p>
         </p:txBody>
       </p:sp>
@@ -4901,6 +6251,373 @@
     <p:extLst>
       <p:ext uri="{BB962C8B-B14F-4D97-AF65-F5344CB8AC3E}">
         <p14:creationId xmlns:p14="http://schemas.microsoft.com/office/powerpoint/2010/main" val="3243299701"/>
+      </p:ext>
+    </p:extLst>
+  </p:cSld>
+  <p:clrMapOvr>
+    <a:masterClrMapping/>
+  </p:clrMapOvr>
+</p:sld>
+</file>
+
+<file path=ppt/slides/slide8.xml><?xml version="1.0" encoding="utf-8"?>
+<p:sld xmlns:a="http://schemas.openxmlformats.org/drawingml/2006/main" xmlns:r="http://schemas.openxmlformats.org/officeDocument/2006/relationships" xmlns:p="http://schemas.openxmlformats.org/presentationml/2006/main">
+  <p:cSld>
+    <p:bg>
+      <p:bgPr>
+        <a:solidFill>
+          <a:schemeClr val="bg1"/>
+        </a:solidFill>
+        <a:effectLst/>
+      </p:bgPr>
+    </p:bg>
+    <p:spTree>
+      <p:nvGrpSpPr>
+        <p:cNvPr id="1" name=""/>
+        <p:cNvGrpSpPr/>
+        <p:nvPr/>
+      </p:nvGrpSpPr>
+      <p:grpSpPr>
+        <a:xfrm>
+          <a:off x="0" y="0"/>
+          <a:ext cx="0" cy="0"/>
+          <a:chOff x="0" y="0"/>
+          <a:chExt cx="0" cy="0"/>
+        </a:xfrm>
+      </p:grpSpPr>
+      <p:sp useBgFill="1">
+        <p:nvSpPr>
+          <p:cNvPr id="13" name="Rectangle 12">
+            <a:extLst>
+              <a:ext uri="{FF2B5EF4-FFF2-40B4-BE49-F238E27FC236}">
+                <a16:creationId xmlns:a16="http://schemas.microsoft.com/office/drawing/2014/main" id="{5AA03EDC-7067-4DFF-B672-541D016AAAB8}"/>
+              </a:ext>
+              <a:ext uri="{C183D7F6-B498-43B3-948B-1728B52AA6E4}">
+                <adec:decorative xmlns:adec="http://schemas.microsoft.com/office/drawing/2017/decorative" val="1"/>
+              </a:ext>
+            </a:extLst>
+          </p:cNvPr>
+          <p:cNvSpPr>
+            <a:spLocks noGrp="1" noRot="1" noChangeAspect="1" noMove="1" noResize="1" noEditPoints="1" noAdjustHandles="1" noChangeArrowheads="1" noChangeShapeType="1" noTextEdit="1"/>
+          </p:cNvSpPr>
+          <p:nvPr>
+            <p:extLst>
+              <p:ext uri="{386F3935-93C4-4BCD-93E2-E3B085C9AB24}">
+                <p16:designElem xmlns:p16="http://schemas.microsoft.com/office/powerpoint/2015/main" val="1"/>
+              </p:ext>
+            </p:extLst>
+          </p:nvPr>
+        </p:nvSpPr>
+        <p:spPr>
+          <a:xfrm>
+            <a:off x="0" y="0"/>
+            <a:ext cx="12192000" cy="6858000"/>
+          </a:xfrm>
+          <a:prstGeom prst="rect">
+            <a:avLst/>
+          </a:prstGeom>
+          <a:ln w="12700" cap="flat" cmpd="sng" algn="ctr">
+            <a:noFill/>
+            <a:prstDash val="solid"/>
+            <a:miter lim="800000"/>
+          </a:ln>
+          <a:effectLst/>
+          <a:extLst>
+            <a:ext uri="{91240B29-F687-4F45-9708-019B960494DF}">
+              <a14:hiddenLine xmlns:a14="http://schemas.microsoft.com/office/drawing/2010/main" w="12700" cap="flat" cmpd="sng" algn="ctr">
+                <a:solidFill>
+                  <a:schemeClr val="accent1">
+                    <a:shade val="50000"/>
+                  </a:schemeClr>
+                </a:solidFill>
+                <a:prstDash val="solid"/>
+                <a:miter lim="800000"/>
+              </a14:hiddenLine>
+            </a:ext>
+          </a:extLst>
+        </p:spPr>
+        <p:style>
+          <a:lnRef idx="2">
+            <a:schemeClr val="accent1">
+              <a:shade val="50000"/>
+            </a:schemeClr>
+          </a:lnRef>
+          <a:fillRef idx="1">
+            <a:schemeClr val="accent1"/>
+          </a:fillRef>
+          <a:effectRef idx="0">
+            <a:schemeClr val="accent1"/>
+          </a:effectRef>
+          <a:fontRef idx="minor">
+            <a:schemeClr val="lt1"/>
+          </a:fontRef>
+        </p:style>
+        <p:txBody>
+          <a:bodyPr rtlCol="0" anchor="ctr"/>
+          <a:lstStyle/>
+          <a:p>
+            <a:pPr algn="ctr"/>
+            <a:endParaRPr lang="en-US"/>
+          </a:p>
+        </p:txBody>
+      </p:sp>
+      <p:sp>
+        <p:nvSpPr>
+          <p:cNvPr id="15" name="Rectangle 14">
+            <a:extLst>
+              <a:ext uri="{FF2B5EF4-FFF2-40B4-BE49-F238E27FC236}">
+                <a16:creationId xmlns:a16="http://schemas.microsoft.com/office/drawing/2014/main" id="{0EBF3E39-B0BE-496A-8604-9007470FFA3A}"/>
+              </a:ext>
+              <a:ext uri="{C183D7F6-B498-43B3-948B-1728B52AA6E4}">
+                <adec:decorative xmlns:adec="http://schemas.microsoft.com/office/drawing/2017/decorative" val="1"/>
+              </a:ext>
+            </a:extLst>
+          </p:cNvPr>
+          <p:cNvSpPr>
+            <a:spLocks noGrp="1" noRot="1" noChangeAspect="1" noMove="1" noResize="1" noEditPoints="1" noAdjustHandles="1" noChangeArrowheads="1" noChangeShapeType="1" noTextEdit="1"/>
+          </p:cNvSpPr>
+          <p:nvPr>
+            <p:extLst>
+              <p:ext uri="{386F3935-93C4-4BCD-93E2-E3B085C9AB24}">
+                <p16:designElem xmlns:p16="http://schemas.microsoft.com/office/powerpoint/2015/main" val="1"/>
+              </p:ext>
+            </p:extLst>
+          </p:nvPr>
+        </p:nvSpPr>
+        <p:spPr>
+          <a:xfrm>
+            <a:off x="0" y="0"/>
+            <a:ext cx="6096000" cy="6865473"/>
+          </a:xfrm>
+          <a:prstGeom prst="rect">
+            <a:avLst/>
+          </a:prstGeom>
+          <a:solidFill>
+            <a:schemeClr val="accent2">
+              <a:lumMod val="20000"/>
+              <a:lumOff val="80000"/>
+            </a:schemeClr>
+          </a:solidFill>
+          <a:ln>
+            <a:noFill/>
+          </a:ln>
+        </p:spPr>
+        <p:style>
+          <a:lnRef idx="2">
+            <a:schemeClr val="accent1">
+              <a:shade val="50000"/>
+            </a:schemeClr>
+          </a:lnRef>
+          <a:fillRef idx="1">
+            <a:schemeClr val="accent1"/>
+          </a:fillRef>
+          <a:effectRef idx="0">
+            <a:schemeClr val="accent1"/>
+          </a:effectRef>
+          <a:fontRef idx="minor">
+            <a:schemeClr val="lt1"/>
+          </a:fontRef>
+        </p:style>
+        <p:txBody>
+          <a:bodyPr rtlCol="0" anchor="ctr"/>
+          <a:lstStyle/>
+          <a:p>
+            <a:pPr algn="ctr"/>
+            <a:endParaRPr lang="en-US"/>
+          </a:p>
+        </p:txBody>
+      </p:sp>
+      <p:sp>
+        <p:nvSpPr>
+          <p:cNvPr id="6" name="TextBox 5">
+            <a:extLst>
+              <a:ext uri="{FF2B5EF4-FFF2-40B4-BE49-F238E27FC236}">
+                <a16:creationId xmlns:a16="http://schemas.microsoft.com/office/drawing/2014/main" id="{E6673BEA-08A9-9443-AE7E-3D28B3CCD19B}"/>
+              </a:ext>
+            </a:extLst>
+          </p:cNvPr>
+          <p:cNvSpPr txBox="1"/>
+          <p:nvPr/>
+        </p:nvSpPr>
+        <p:spPr>
+          <a:xfrm>
+            <a:off x="871442" y="2447337"/>
+            <a:ext cx="4353116" cy="3770434"/>
+          </a:xfrm>
+          <a:prstGeom prst="rect">
+            <a:avLst/>
+          </a:prstGeom>
+        </p:spPr>
+        <p:txBody>
+          <a:bodyPr vert="horz" lIns="91440" tIns="45720" rIns="91440" bIns="45720" rtlCol="0" anchor="t">
+            <a:normAutofit/>
+          </a:bodyPr>
+          <a:lstStyle/>
+          <a:p>
+            <a:endParaRPr lang="en-US" sz="2000" dirty="0">
+              <a:solidFill>
+                <a:srgbClr val="595959"/>
+              </a:solidFill>
+            </a:endParaRPr>
+          </a:p>
+        </p:txBody>
+      </p:sp>
+      <p:pic>
+        <p:nvPicPr>
+          <p:cNvPr id="8" name="Picture 7" descr="Chart, bar chart&#10;&#10;Description automatically generated">
+            <a:extLst>
+              <a:ext uri="{FF2B5EF4-FFF2-40B4-BE49-F238E27FC236}">
+                <a16:creationId xmlns:a16="http://schemas.microsoft.com/office/drawing/2014/main" id="{173B57C4-D936-3145-B47E-3FE029012849}"/>
+              </a:ext>
+            </a:extLst>
+          </p:cNvPr>
+          <p:cNvPicPr>
+            <a:picLocks noChangeAspect="1"/>
+          </p:cNvPicPr>
+          <p:nvPr/>
+        </p:nvPicPr>
+        <p:blipFill>
+          <a:blip r:embed="rId2"/>
+          <a:stretch>
+            <a:fillRect/>
+          </a:stretch>
+        </p:blipFill>
+        <p:spPr>
+          <a:xfrm>
+            <a:off x="6182944" y="1300096"/>
+            <a:ext cx="5922111" cy="3953008"/>
+          </a:xfrm>
+          <a:prstGeom prst="rect">
+            <a:avLst/>
+          </a:prstGeom>
+        </p:spPr>
+      </p:pic>
+      <p:sp>
+        <p:nvSpPr>
+          <p:cNvPr id="2" name="TextBox 1">
+            <a:extLst>
+              <a:ext uri="{FF2B5EF4-FFF2-40B4-BE49-F238E27FC236}">
+                <a16:creationId xmlns:a16="http://schemas.microsoft.com/office/drawing/2014/main" id="{7205D583-5096-794D-8F50-D9454FA8BFF7}"/>
+              </a:ext>
+            </a:extLst>
+          </p:cNvPr>
+          <p:cNvSpPr txBox="1"/>
+          <p:nvPr/>
+        </p:nvSpPr>
+        <p:spPr>
+          <a:xfrm>
+            <a:off x="4500563" y="3028950"/>
+            <a:ext cx="184731" cy="369332"/>
+          </a:xfrm>
+          <a:prstGeom prst="rect">
+            <a:avLst/>
+          </a:prstGeom>
+          <a:noFill/>
+        </p:spPr>
+        <p:txBody>
+          <a:bodyPr wrap="none" rtlCol="0">
+            <a:spAutoFit/>
+          </a:bodyPr>
+          <a:lstStyle/>
+          <a:p>
+            <a:endParaRPr lang="en-US" dirty="0"/>
+          </a:p>
+        </p:txBody>
+      </p:sp>
+      <p:sp>
+        <p:nvSpPr>
+          <p:cNvPr id="3" name="AutoShape 2">
+            <a:extLst>
+              <a:ext uri="{FF2B5EF4-FFF2-40B4-BE49-F238E27FC236}">
+                <a16:creationId xmlns:a16="http://schemas.microsoft.com/office/drawing/2014/main" id="{F42425F3-7BCF-E442-BD6D-7F6C3DAEBBB7}"/>
+              </a:ext>
+            </a:extLst>
+          </p:cNvPr>
+          <p:cNvSpPr>
+            <a:spLocks noChangeAspect="1" noChangeArrowheads="1"/>
+          </p:cNvSpPr>
+          <p:nvPr/>
+        </p:nvSpPr>
+        <p:spPr bwMode="auto">
+          <a:xfrm>
+            <a:off x="5943600" y="3276600"/>
+            <a:ext cx="304800" cy="304800"/>
+          </a:xfrm>
+          <a:prstGeom prst="rect">
+            <a:avLst/>
+          </a:prstGeom>
+          <a:noFill/>
+          <a:extLst>
+            <a:ext uri="{909E8E84-426E-40DD-AFC4-6F175D3DCCD1}">
+              <a14:hiddenFill xmlns:a14="http://schemas.microsoft.com/office/drawing/2010/main">
+                <a:solidFill>
+                  <a:srgbClr val="FFFFFF"/>
+                </a:solidFill>
+              </a14:hiddenFill>
+            </a:ext>
+          </a:extLst>
+        </p:spPr>
+        <p:txBody>
+          <a:bodyPr vert="horz" wrap="square" lIns="91440" tIns="45720" rIns="91440" bIns="45720" numCol="1" anchor="t" anchorCtr="0" compatLnSpc="1">
+            <a:prstTxWarp prst="textNoShape">
+              <a:avLst/>
+            </a:prstTxWarp>
+          </a:bodyPr>
+          <a:lstStyle/>
+          <a:p>
+            <a:endParaRPr lang="en-US"/>
+          </a:p>
+        </p:txBody>
+      </p:sp>
+      <p:sp>
+        <p:nvSpPr>
+          <p:cNvPr id="19" name="AutoShape 4">
+            <a:extLst>
+              <a:ext uri="{FF2B5EF4-FFF2-40B4-BE49-F238E27FC236}">
+                <a16:creationId xmlns:a16="http://schemas.microsoft.com/office/drawing/2014/main" id="{ACD12BD2-2BD5-154F-8D20-5A072C9027FD}"/>
+              </a:ext>
+            </a:extLst>
+          </p:cNvPr>
+          <p:cNvSpPr>
+            <a:spLocks noChangeAspect="1" noChangeArrowheads="1"/>
+          </p:cNvSpPr>
+          <p:nvPr/>
+        </p:nvSpPr>
+        <p:spPr bwMode="auto">
+          <a:xfrm>
+            <a:off x="1500188" y="-1166812"/>
+            <a:ext cx="4900612" cy="4900612"/>
+          </a:xfrm>
+          <a:prstGeom prst="rect">
+            <a:avLst/>
+          </a:prstGeom>
+          <a:noFill/>
+          <a:extLst>
+            <a:ext uri="{909E8E84-426E-40DD-AFC4-6F175D3DCCD1}">
+              <a14:hiddenFill xmlns:a14="http://schemas.microsoft.com/office/drawing/2010/main">
+                <a:solidFill>
+                  <a:srgbClr val="FFFFFF"/>
+                </a:solidFill>
+              </a14:hiddenFill>
+            </a:ext>
+          </a:extLst>
+        </p:spPr>
+        <p:txBody>
+          <a:bodyPr vert="horz" wrap="square" lIns="91440" tIns="45720" rIns="91440" bIns="45720" numCol="1" anchor="t" anchorCtr="0" compatLnSpc="1">
+            <a:prstTxWarp prst="textNoShape">
+              <a:avLst/>
+            </a:prstTxWarp>
+          </a:bodyPr>
+          <a:lstStyle/>
+          <a:p>
+            <a:endParaRPr lang="en-US"/>
+          </a:p>
+        </p:txBody>
+      </p:sp>
+    </p:spTree>
+    <p:extLst>
+      <p:ext uri="{BB962C8B-B14F-4D97-AF65-F5344CB8AC3E}">
+        <p14:creationId xmlns:p14="http://schemas.microsoft.com/office/powerpoint/2010/main" val="2467839189"/>
       </p:ext>
     </p:extLst>
   </p:cSld>
